--- a/document/Saigonese-Flight-Management-System.pptx
+++ b/document/Saigonese-Flight-Management-System.pptx
@@ -4,6 +4,9 @@
   <p:sldMasterIdLst>
     <p:sldMasterId id="2147483648" r:id="rId1"/>
   </p:sldMasterIdLst>
+  <p:notesMasterIdLst>
+    <p:notesMasterId r:id="rId11"/>
+  </p:notesMasterIdLst>
   <p:sldIdLst>
     <p:sldId id="256" r:id="rId2"/>
     <p:sldId id="257" r:id="rId3"/>
@@ -118,6 +121,356 @@
     </p:ext>
   </p:extLst>
 </p:presentation>
+</file>
+
+<file path=ppt/notesMasters/notesMaster1.xml><?xml version="1.0" encoding="utf-8"?>
+<p:notesMaster xmlns:a="http://schemas.openxmlformats.org/drawingml/2006/main" xmlns:r="http://schemas.openxmlformats.org/officeDocument/2006/relationships" xmlns:p="http://schemas.openxmlformats.org/presentationml/2006/main">
+  <p:cSld>
+    <p:bg>
+      <p:bgRef idx="1001">
+        <a:schemeClr val="bg1"/>
+      </p:bgRef>
+    </p:bg>
+    <p:spTree>
+      <p:nvGrpSpPr>
+        <p:cNvPr id="1" name=""/>
+        <p:cNvGrpSpPr/>
+        <p:nvPr/>
+      </p:nvGrpSpPr>
+      <p:grpSpPr>
+        <a:xfrm>
+          <a:off x="0" y="0"/>
+          <a:ext cx="0" cy="0"/>
+          <a:chOff x="0" y="0"/>
+          <a:chExt cx="0" cy="0"/>
+        </a:xfrm>
+      </p:grpSpPr>
+      <p:sp>
+        <p:nvSpPr>
+          <p:cNvPr id="2" name="Header Placeholder 1"/>
+          <p:cNvSpPr>
+            <a:spLocks noGrp="1"/>
+          </p:cNvSpPr>
+          <p:nvPr>
+            <p:ph type="hdr" sz="quarter"/>
+          </p:nvPr>
+        </p:nvSpPr>
+        <p:spPr>
+          <a:xfrm>
+            <a:off x="0" y="0"/>
+            <a:ext cx="2971800" cy="458788"/>
+          </a:xfrm>
+          <a:prstGeom prst="rect">
+            <a:avLst/>
+          </a:prstGeom>
+        </p:spPr>
+        <p:txBody>
+          <a:bodyPr vert="horz" lIns="91440" tIns="45720" rIns="91440" bIns="45720" rtlCol="0"/>
+          <a:lstStyle>
+            <a:lvl1pPr algn="l">
+              <a:defRPr sz="1200"/>
+            </a:lvl1pPr>
+          </a:lstStyle>
+          <a:p>
+            <a:endParaRPr lang="en-US"/>
+          </a:p>
+        </p:txBody>
+      </p:sp>
+      <p:sp>
+        <p:nvSpPr>
+          <p:cNvPr id="3" name="Date Placeholder 2"/>
+          <p:cNvSpPr>
+            <a:spLocks noGrp="1"/>
+          </p:cNvSpPr>
+          <p:nvPr>
+            <p:ph type="dt" idx="1"/>
+          </p:nvPr>
+        </p:nvSpPr>
+        <p:spPr>
+          <a:xfrm>
+            <a:off x="3884613" y="0"/>
+            <a:ext cx="2971800" cy="458788"/>
+          </a:xfrm>
+          <a:prstGeom prst="rect">
+            <a:avLst/>
+          </a:prstGeom>
+        </p:spPr>
+        <p:txBody>
+          <a:bodyPr vert="horz" lIns="91440" tIns="45720" rIns="91440" bIns="45720" rtlCol="0"/>
+          <a:lstStyle>
+            <a:lvl1pPr algn="r">
+              <a:defRPr sz="1200"/>
+            </a:lvl1pPr>
+          </a:lstStyle>
+          <a:p>
+            <a:fld id="{D308124F-7155-4D4F-AA2D-5DD0016402B1}" type="datetimeFigureOut">
+              <a:rPr lang="en-US" smtClean="0"/>
+              <a:t>10/24/18</a:t>
+            </a:fld>
+            <a:endParaRPr lang="en-US"/>
+          </a:p>
+        </p:txBody>
+      </p:sp>
+      <p:sp>
+        <p:nvSpPr>
+          <p:cNvPr id="4" name="Slide Image Placeholder 3"/>
+          <p:cNvSpPr>
+            <a:spLocks noGrp="1" noRot="1" noChangeAspect="1"/>
+          </p:cNvSpPr>
+          <p:nvPr>
+            <p:ph type="sldImg" idx="2"/>
+          </p:nvPr>
+        </p:nvSpPr>
+        <p:spPr>
+          <a:xfrm>
+            <a:off x="685800" y="1143000"/>
+            <a:ext cx="5486400" cy="3086100"/>
+          </a:xfrm>
+          <a:prstGeom prst="rect">
+            <a:avLst/>
+          </a:prstGeom>
+          <a:noFill/>
+          <a:ln w="12700">
+            <a:solidFill>
+              <a:prstClr val="black"/>
+            </a:solidFill>
+          </a:ln>
+        </p:spPr>
+        <p:txBody>
+          <a:bodyPr vert="horz" lIns="91440" tIns="45720" rIns="91440" bIns="45720" rtlCol="0" anchor="ctr"/>
+          <a:lstStyle/>
+          <a:p>
+            <a:endParaRPr lang="en-US"/>
+          </a:p>
+        </p:txBody>
+      </p:sp>
+      <p:sp>
+        <p:nvSpPr>
+          <p:cNvPr id="5" name="Notes Placeholder 4"/>
+          <p:cNvSpPr>
+            <a:spLocks noGrp="1"/>
+          </p:cNvSpPr>
+          <p:nvPr>
+            <p:ph type="body" sz="quarter" idx="3"/>
+          </p:nvPr>
+        </p:nvSpPr>
+        <p:spPr>
+          <a:xfrm>
+            <a:off x="685800" y="4400550"/>
+            <a:ext cx="5486400" cy="3600450"/>
+          </a:xfrm>
+          <a:prstGeom prst="rect">
+            <a:avLst/>
+          </a:prstGeom>
+        </p:spPr>
+        <p:txBody>
+          <a:bodyPr vert="horz" lIns="91440" tIns="45720" rIns="91440" bIns="45720" rtlCol="0"/>
+          <a:lstStyle/>
+          <a:p>
+            <a:pPr lvl="0"/>
+            <a:r>
+              <a:rPr lang="en-US" smtClean="0"/>
+              <a:t>Click to edit Master text styles</a:t>
+            </a:r>
+          </a:p>
+          <a:p>
+            <a:pPr lvl="1"/>
+            <a:r>
+              <a:rPr lang="en-US" smtClean="0"/>
+              <a:t>Second level</a:t>
+            </a:r>
+          </a:p>
+          <a:p>
+            <a:pPr lvl="2"/>
+            <a:r>
+              <a:rPr lang="en-US" smtClean="0"/>
+              <a:t>Third level</a:t>
+            </a:r>
+          </a:p>
+          <a:p>
+            <a:pPr lvl="3"/>
+            <a:r>
+              <a:rPr lang="en-US" smtClean="0"/>
+              <a:t>Fourth level</a:t>
+            </a:r>
+          </a:p>
+          <a:p>
+            <a:pPr lvl="4"/>
+            <a:r>
+              <a:rPr lang="en-US" smtClean="0"/>
+              <a:t>Fifth level</a:t>
+            </a:r>
+            <a:endParaRPr lang="en-US"/>
+          </a:p>
+        </p:txBody>
+      </p:sp>
+      <p:sp>
+        <p:nvSpPr>
+          <p:cNvPr id="6" name="Footer Placeholder 5"/>
+          <p:cNvSpPr>
+            <a:spLocks noGrp="1"/>
+          </p:cNvSpPr>
+          <p:nvPr>
+            <p:ph type="ftr" sz="quarter" idx="4"/>
+          </p:nvPr>
+        </p:nvSpPr>
+        <p:spPr>
+          <a:xfrm>
+            <a:off x="0" y="8685213"/>
+            <a:ext cx="2971800" cy="458787"/>
+          </a:xfrm>
+          <a:prstGeom prst="rect">
+            <a:avLst/>
+          </a:prstGeom>
+        </p:spPr>
+        <p:txBody>
+          <a:bodyPr vert="horz" lIns="91440" tIns="45720" rIns="91440" bIns="45720" rtlCol="0" anchor="b"/>
+          <a:lstStyle>
+            <a:lvl1pPr algn="l">
+              <a:defRPr sz="1200"/>
+            </a:lvl1pPr>
+          </a:lstStyle>
+          <a:p>
+            <a:endParaRPr lang="en-US"/>
+          </a:p>
+        </p:txBody>
+      </p:sp>
+      <p:sp>
+        <p:nvSpPr>
+          <p:cNvPr id="7" name="Slide Number Placeholder 6"/>
+          <p:cNvSpPr>
+            <a:spLocks noGrp="1"/>
+          </p:cNvSpPr>
+          <p:nvPr>
+            <p:ph type="sldNum" sz="quarter" idx="5"/>
+          </p:nvPr>
+        </p:nvSpPr>
+        <p:spPr>
+          <a:xfrm>
+            <a:off x="3884613" y="8685213"/>
+            <a:ext cx="2971800" cy="458787"/>
+          </a:xfrm>
+          <a:prstGeom prst="rect">
+            <a:avLst/>
+          </a:prstGeom>
+        </p:spPr>
+        <p:txBody>
+          <a:bodyPr vert="horz" lIns="91440" tIns="45720" rIns="91440" bIns="45720" rtlCol="0" anchor="b"/>
+          <a:lstStyle>
+            <a:lvl1pPr algn="r">
+              <a:defRPr sz="1200"/>
+            </a:lvl1pPr>
+          </a:lstStyle>
+          <a:p>
+            <a:fld id="{82E4BFC6-D2AC-934D-95E0-41EB545B1B5F}" type="slidenum">
+              <a:rPr lang="en-US" smtClean="0"/>
+              <a:t>‹#›</a:t>
+            </a:fld>
+            <a:endParaRPr lang="en-US"/>
+          </a:p>
+        </p:txBody>
+      </p:sp>
+    </p:spTree>
+    <p:extLst>
+      <p:ext uri="{BB962C8B-B14F-4D97-AF65-F5344CB8AC3E}">
+        <p14:creationId xmlns:p14="http://schemas.microsoft.com/office/powerpoint/2010/main" val="1174892077"/>
+      </p:ext>
+    </p:extLst>
+  </p:cSld>
+  <p:clrMap bg1="lt1" tx1="dk1" bg2="lt2" tx2="dk2" accent1="accent1" accent2="accent2" accent3="accent3" accent4="accent4" accent5="accent5" accent6="accent6" hlink="hlink" folHlink="folHlink"/>
+  <p:notesStyle>
+    <a:lvl1pPr marL="0" algn="l" defTabSz="914400" rtl="0" eaLnBrk="1" latinLnBrk="0" hangingPunct="1">
+      <a:defRPr sz="1200" kern="1200">
+        <a:solidFill>
+          <a:schemeClr val="tx1"/>
+        </a:solidFill>
+        <a:latin typeface="+mn-lt"/>
+        <a:ea typeface="+mn-ea"/>
+        <a:cs typeface="+mn-cs"/>
+      </a:defRPr>
+    </a:lvl1pPr>
+    <a:lvl2pPr marL="457200" algn="l" defTabSz="914400" rtl="0" eaLnBrk="1" latinLnBrk="0" hangingPunct="1">
+      <a:defRPr sz="1200" kern="1200">
+        <a:solidFill>
+          <a:schemeClr val="tx1"/>
+        </a:solidFill>
+        <a:latin typeface="+mn-lt"/>
+        <a:ea typeface="+mn-ea"/>
+        <a:cs typeface="+mn-cs"/>
+      </a:defRPr>
+    </a:lvl2pPr>
+    <a:lvl3pPr marL="914400" algn="l" defTabSz="914400" rtl="0" eaLnBrk="1" latinLnBrk="0" hangingPunct="1">
+      <a:defRPr sz="1200" kern="1200">
+        <a:solidFill>
+          <a:schemeClr val="tx1"/>
+        </a:solidFill>
+        <a:latin typeface="+mn-lt"/>
+        <a:ea typeface="+mn-ea"/>
+        <a:cs typeface="+mn-cs"/>
+      </a:defRPr>
+    </a:lvl3pPr>
+    <a:lvl4pPr marL="1371600" algn="l" defTabSz="914400" rtl="0" eaLnBrk="1" latinLnBrk="0" hangingPunct="1">
+      <a:defRPr sz="1200" kern="1200">
+        <a:solidFill>
+          <a:schemeClr val="tx1"/>
+        </a:solidFill>
+        <a:latin typeface="+mn-lt"/>
+        <a:ea typeface="+mn-ea"/>
+        <a:cs typeface="+mn-cs"/>
+      </a:defRPr>
+    </a:lvl4pPr>
+    <a:lvl5pPr marL="1828800" algn="l" defTabSz="914400" rtl="0" eaLnBrk="1" latinLnBrk="0" hangingPunct="1">
+      <a:defRPr sz="1200" kern="1200">
+        <a:solidFill>
+          <a:schemeClr val="tx1"/>
+        </a:solidFill>
+        <a:latin typeface="+mn-lt"/>
+        <a:ea typeface="+mn-ea"/>
+        <a:cs typeface="+mn-cs"/>
+      </a:defRPr>
+    </a:lvl5pPr>
+    <a:lvl6pPr marL="2286000" algn="l" defTabSz="914400" rtl="0" eaLnBrk="1" latinLnBrk="0" hangingPunct="1">
+      <a:defRPr sz="1200" kern="1200">
+        <a:solidFill>
+          <a:schemeClr val="tx1"/>
+        </a:solidFill>
+        <a:latin typeface="+mn-lt"/>
+        <a:ea typeface="+mn-ea"/>
+        <a:cs typeface="+mn-cs"/>
+      </a:defRPr>
+    </a:lvl6pPr>
+    <a:lvl7pPr marL="2743200" algn="l" defTabSz="914400" rtl="0" eaLnBrk="1" latinLnBrk="0" hangingPunct="1">
+      <a:defRPr sz="1200" kern="1200">
+        <a:solidFill>
+          <a:schemeClr val="tx1"/>
+        </a:solidFill>
+        <a:latin typeface="+mn-lt"/>
+        <a:ea typeface="+mn-ea"/>
+        <a:cs typeface="+mn-cs"/>
+      </a:defRPr>
+    </a:lvl7pPr>
+    <a:lvl8pPr marL="3200400" algn="l" defTabSz="914400" rtl="0" eaLnBrk="1" latinLnBrk="0" hangingPunct="1">
+      <a:defRPr sz="1200" kern="1200">
+        <a:solidFill>
+          <a:schemeClr val="tx1"/>
+        </a:solidFill>
+        <a:latin typeface="+mn-lt"/>
+        <a:ea typeface="+mn-ea"/>
+        <a:cs typeface="+mn-cs"/>
+      </a:defRPr>
+    </a:lvl8pPr>
+    <a:lvl9pPr marL="3657600" algn="l" defTabSz="914400" rtl="0" eaLnBrk="1" latinLnBrk="0" hangingPunct="1">
+      <a:defRPr sz="1200" kern="1200">
+        <a:solidFill>
+          <a:schemeClr val="tx1"/>
+        </a:solidFill>
+        <a:latin typeface="+mn-lt"/>
+        <a:ea typeface="+mn-ea"/>
+        <a:cs typeface="+mn-cs"/>
+      </a:defRPr>
+    </a:lvl9pPr>
+  </p:notesStyle>
+</p:notesMaster>
 </file>
 
 <file path=ppt/slideLayouts/slideLayout1.xml><?xml version="1.0" encoding="utf-8"?>
@@ -12440,8 +12793,13 @@
           <a:p>
             <a:r>
               <a:rPr lang="en-US" dirty="0"/>
-              <a:t>Flight information management</a:t>
-            </a:r>
+              <a:t>Flight </a:t>
+            </a:r>
+            <a:r>
+              <a:rPr lang="en-US" dirty="0" smtClean="0"/>
+              <a:t>management And Booking</a:t>
+            </a:r>
+            <a:endParaRPr lang="en-US" dirty="0"/>
           </a:p>
         </p:txBody>
       </p:sp>
@@ -12469,7 +12827,7 @@
         </p:spPr>
         <p:txBody>
           <a:bodyPr>
-            <a:normAutofit fontScale="92500" lnSpcReduction="10000"/>
+            <a:normAutofit fontScale="70000" lnSpcReduction="20000"/>
           </a:bodyPr>
           <a:lstStyle/>
           <a:p>
@@ -12482,36 +12840,87 @@
               <a:t>professor  </a:t>
             </a:r>
             <a:r>
-              <a:rPr lang="en-US" sz="2600" b="1" dirty="0"/>
-              <a:t>Michael </a:t>
-            </a:r>
-            <a:r>
-              <a:rPr lang="en-US" sz="2600" b="1" dirty="0" err="1"/>
-              <a:t>Zijlstra</a:t>
+              <a:rPr lang="en-US" sz="2600" b="1" dirty="0" smtClean="0"/>
+              <a:t>Joe </a:t>
+            </a:r>
+            <a:r>
+              <a:rPr lang="en-US" sz="2600" b="1" dirty="0" err="1" smtClean="0"/>
+              <a:t>bruen</a:t>
             </a:r>
             <a:endParaRPr lang="en-US" sz="2600" b="1" dirty="0"/>
           </a:p>
           <a:p>
             <a:r>
               <a:rPr lang="en-US" dirty="0"/>
-              <a:t>	        Group 3: bon </a:t>
-            </a:r>
-            <a:r>
-              <a:rPr lang="en-US" dirty="0" err="1"/>
+              <a:t>	        Group </a:t>
+            </a:r>
+            <a:r>
+              <a:rPr lang="en-US" dirty="0" err="1" smtClean="0"/>
+              <a:t>Saigonese</a:t>
+            </a:r>
+            <a:r>
+              <a:rPr lang="en-US" dirty="0" smtClean="0"/>
+              <a:t>: </a:t>
+            </a:r>
+          </a:p>
+          <a:p>
+            <a:r>
+              <a:rPr lang="en-US" dirty="0"/>
+              <a:t>	</a:t>
+            </a:r>
+            <a:r>
+              <a:rPr lang="en-US" dirty="0" smtClean="0"/>
+              <a:t>	</a:t>
+            </a:r>
+            <a:r>
+              <a:rPr lang="en-US" dirty="0" smtClean="0"/>
+              <a:t>bon </a:t>
+            </a:r>
+            <a:r>
+              <a:rPr lang="en-US" dirty="0" err="1" smtClean="0"/>
               <a:t>nguyen</a:t>
             </a:r>
-            <a:endParaRPr lang="en-US" dirty="0"/>
+            <a:endParaRPr lang="en-US" dirty="0" smtClean="0"/>
           </a:p>
           <a:p>
             <a:r>
               <a:rPr lang="en-US" dirty="0"/>
-              <a:t>		          Phuong le</a:t>
-            </a:r>
+              <a:t>	</a:t>
+            </a:r>
+            <a:r>
+              <a:rPr lang="en-US" dirty="0" smtClean="0"/>
+              <a:t>	</a:t>
+            </a:r>
+            <a:r>
+              <a:rPr lang="en-US" dirty="0" err="1" smtClean="0"/>
+              <a:t>Nghia</a:t>
+            </a:r>
+            <a:r>
+              <a:rPr lang="en-US" dirty="0" smtClean="0"/>
+              <a:t> </a:t>
+            </a:r>
+            <a:r>
+              <a:rPr lang="en-US" dirty="0" err="1" smtClean="0"/>
+              <a:t>nguyen</a:t>
+            </a:r>
+            <a:endParaRPr lang="en-US" dirty="0" smtClean="0"/>
           </a:p>
           <a:p>
             <a:r>
               <a:rPr lang="en-US" dirty="0"/>
-              <a:t>		          son </a:t>
+              <a:t>	</a:t>
+            </a:r>
+            <a:r>
+              <a:rPr lang="en-US" dirty="0" smtClean="0"/>
+              <a:t>	</a:t>
+            </a:r>
+            <a:r>
+              <a:rPr lang="en-US" dirty="0" err="1" smtClean="0"/>
+              <a:t>hiep</a:t>
+            </a:r>
+            <a:r>
+              <a:rPr lang="en-US" dirty="0" smtClean="0"/>
+              <a:t> </a:t>
             </a:r>
             <a:r>
               <a:rPr lang="en-US" dirty="0" err="1"/>
@@ -12627,8 +13036,12 @@
               <a:buAutoNum type="arabicPeriod"/>
             </a:pPr>
             <a:r>
+              <a:rPr lang="en-US" sz="3200" dirty="0" smtClean="0"/>
+              <a:t>Main Use </a:t>
+            </a:r>
+            <a:r>
               <a:rPr lang="en-US" sz="3200" dirty="0"/>
-              <a:t>Use Cases</a:t>
+              <a:t>Cases</a:t>
             </a:r>
           </a:p>
           <a:p>
@@ -12853,8 +13266,12 @@
           <a:lstStyle/>
           <a:p>
             <a:r>
+              <a:rPr lang="en-US" dirty="0" smtClean="0"/>
+              <a:t>Main Use </a:t>
+            </a:r>
+            <a:r>
               <a:rPr lang="en-US" dirty="0"/>
-              <a:t>Use cases</a:t>
+              <a:t>cases</a:t>
             </a:r>
           </a:p>
         </p:txBody>
@@ -12875,14 +13292,14 @@
             <p:ph idx="1"/>
             <p:extLst>
               <p:ext uri="{D42A27DB-BD31-4B8C-83A1-F6EECF244321}">
-                <p14:modId xmlns:p14="http://schemas.microsoft.com/office/powerpoint/2010/main" val="4059693347"/>
+                <p14:modId xmlns:p14="http://schemas.microsoft.com/office/powerpoint/2010/main" val="1671963121"/>
               </p:ext>
             </p:extLst>
           </p:nvPr>
         </p:nvGraphicFramePr>
         <p:xfrm>
           <a:off x="887896" y="1643062"/>
-          <a:ext cx="10522225" cy="2915683"/>
+          <a:ext cx="10522225" cy="3866449"/>
         </p:xfrm>
         <a:graphic>
           <a:graphicData uri="http://schemas.openxmlformats.org/drawingml/2006/table">
@@ -13045,8 +13462,12 @@
                     <a:lstStyle/>
                     <a:p>
                       <a:r>
+                        <a:rPr lang="en-US" sz="2400" dirty="0" smtClean="0"/>
+                        <a:t>Add/modify </a:t>
+                      </a:r>
+                      <a:r>
                         <a:rPr lang="en-US" sz="2400" dirty="0"/>
-                        <a:t>Add/modify/delete an Airport</a:t>
+                        <a:t>an Airport</a:t>
                       </a:r>
                     </a:p>
                   </a:txBody>
@@ -13058,9 +13479,14 @@
                     <a:lstStyle/>
                     <a:p>
                       <a:r>
-                        <a:rPr lang="en-US" sz="2400" dirty="0"/>
-                        <a:t>Ba Bon</a:t>
+                        <a:rPr lang="en-US" sz="2400" dirty="0" err="1" smtClean="0"/>
+                        <a:t>Nghia</a:t>
                       </a:r>
+                      <a:r>
+                        <a:rPr lang="en-US" sz="2400" baseline="0" dirty="0" smtClean="0"/>
+                        <a:t> Nguyen</a:t>
+                      </a:r>
+                      <a:endParaRPr lang="en-US" sz="2400" dirty="0"/>
                     </a:p>
                   </a:txBody>
                   <a:tcPr/>
@@ -13121,8 +13547,12 @@
                         <a:defRPr/>
                       </a:pPr>
                       <a:r>
+                        <a:rPr lang="en-US" sz="2400" dirty="0" smtClean="0"/>
+                        <a:t>Add/modify </a:t>
+                      </a:r>
+                      <a:r>
                         <a:rPr lang="en-US" sz="2400" dirty="0"/>
-                        <a:t>Add/modify/delete an Airline</a:t>
+                        <a:t>an Airline</a:t>
                       </a:r>
                     </a:p>
                   </a:txBody>
@@ -13134,9 +13564,18 @@
                     <a:lstStyle/>
                     <a:p>
                       <a:r>
-                        <a:rPr lang="en-US" sz="2400" dirty="0"/>
-                        <a:t>Hoang Phuong</a:t>
+                        <a:rPr lang="en-US" sz="2400" dirty="0" err="1" smtClean="0"/>
+                        <a:t>Hiep</a:t>
                       </a:r>
+                      <a:r>
+                        <a:rPr lang="en-US" sz="2400" dirty="0" smtClean="0"/>
+                        <a:t> </a:t>
+                      </a:r>
+                      <a:r>
+                        <a:rPr lang="en-US" sz="2400" baseline="0" dirty="0" smtClean="0"/>
+                        <a:t>Nguyen</a:t>
+                      </a:r>
+                      <a:endParaRPr lang="en-US" sz="2400" dirty="0"/>
                     </a:p>
                   </a:txBody>
                   <a:tcPr/>
@@ -13197,8 +13636,12 @@
                         <a:defRPr/>
                       </a:pPr>
                       <a:r>
+                        <a:rPr lang="en-US" sz="2400" dirty="0" smtClean="0"/>
+                        <a:t>Add/modify </a:t>
+                      </a:r>
+                      <a:r>
                         <a:rPr lang="en-US" sz="2400" dirty="0"/>
-                        <a:t>Add/modify/delete an Airplane</a:t>
+                        <a:t>an Airplane</a:t>
                       </a:r>
                     </a:p>
                   </a:txBody>
@@ -13210,9 +13653,14 @@
                     <a:lstStyle/>
                     <a:p>
                       <a:r>
-                        <a:rPr lang="en-US" sz="2400" dirty="0"/>
-                        <a:t>Hoang Phuong</a:t>
+                        <a:rPr lang="en-US" sz="2400" dirty="0" smtClean="0"/>
+                        <a:t>Bon </a:t>
                       </a:r>
+                      <a:r>
+                        <a:rPr lang="en-US" sz="2400" baseline="0" dirty="0" smtClean="0"/>
+                        <a:t>Nguyen</a:t>
+                      </a:r>
+                      <a:endParaRPr lang="en-US" sz="2400" dirty="0"/>
                     </a:p>
                   </a:txBody>
                   <a:tcPr/>
@@ -13286,8 +13734,12 @@
                     <a:lstStyle/>
                     <a:p>
                       <a:r>
-                        <a:rPr lang="en-US" sz="2400" dirty="0"/>
-                        <a:t>Truong Son</a:t>
+                        <a:rPr lang="en-US" sz="2400" dirty="0" err="1" smtClean="0"/>
+                        <a:t>Nghia</a:t>
+                      </a:r>
+                      <a:r>
+                        <a:rPr lang="en-US" sz="2400" baseline="0" dirty="0" smtClean="0"/>
+                        <a:t> Nguyen</a:t>
                       </a:r>
                     </a:p>
                   </a:txBody>
@@ -13306,9 +13758,10 @@
                     <a:lstStyle/>
                     <a:p>
                       <a:r>
-                        <a:rPr lang="en-US" sz="2400" dirty="0"/>
+                        <a:rPr lang="en-US" sz="2400" dirty="0" smtClean="0"/>
                         <a:t>5</a:t>
                       </a:r>
+                      <a:endParaRPr lang="en-US" sz="2400" dirty="0"/>
                     </a:p>
                   </a:txBody>
                   <a:tcPr/>
@@ -13319,9 +13772,10 @@
                     <a:lstStyle/>
                     <a:p>
                       <a:r>
-                        <a:rPr lang="en-US" sz="2400" dirty="0"/>
-                        <a:t>Logging and search</a:t>
+                        <a:rPr lang="en-US" sz="2400" dirty="0" smtClean="0"/>
+                        <a:t>Flight Booking</a:t>
                       </a:r>
+                      <a:endParaRPr lang="en-US" sz="2400" dirty="0"/>
                     </a:p>
                   </a:txBody>
                   <a:tcPr/>
@@ -13349,9 +13803,10 @@
                         <a:defRPr/>
                       </a:pPr>
                       <a:r>
-                        <a:rPr lang="en-US" sz="2400" dirty="0"/>
-                        <a:t>AOP logging and search</a:t>
+                        <a:rPr lang="en-US" sz="2400" dirty="0" smtClean="0"/>
+                        <a:t>Book ticket for a flight</a:t>
                       </a:r>
+                      <a:endParaRPr lang="en-US" sz="2400" dirty="0"/>
                     </a:p>
                   </a:txBody>
                   <a:tcPr/>
@@ -13362,9 +13817,88 @@
                     <a:lstStyle/>
                     <a:p>
                       <a:r>
+                        <a:rPr lang="en-US" sz="2400" baseline="0" dirty="0" err="1" smtClean="0"/>
+                        <a:t>Hiep</a:t>
+                      </a:r>
+                      <a:r>
+                        <a:rPr lang="en-US" sz="2400" baseline="0" dirty="0" smtClean="0"/>
+                        <a:t> Nguyen</a:t>
+                      </a:r>
+                    </a:p>
+                  </a:txBody>
+                  <a:tcPr/>
+                </a:tc>
+              </a:tr>
+              <a:tr h="475383">
+                <a:tc>
+                  <a:txBody>
+                    <a:bodyPr/>
+                    <a:lstStyle/>
+                    <a:p>
+                      <a:r>
                         <a:rPr lang="en-US" sz="2400" dirty="0"/>
-                        <a:t>Ba Bon</a:t>
+                        <a:t>6</a:t>
                       </a:r>
+                      <a:endParaRPr lang="en-US" sz="2400" dirty="0"/>
+                    </a:p>
+                  </a:txBody>
+                  <a:tcPr/>
+                </a:tc>
+                <a:tc>
+                  <a:txBody>
+                    <a:bodyPr/>
+                    <a:lstStyle/>
+                    <a:p>
+                      <a:r>
+                        <a:rPr lang="en-US" sz="2400" dirty="0" smtClean="0"/>
+                        <a:t>Online Support</a:t>
+                      </a:r>
+                      <a:endParaRPr lang="en-US" sz="2400" dirty="0"/>
+                    </a:p>
+                  </a:txBody>
+                  <a:tcPr/>
+                </a:tc>
+                <a:tc>
+                  <a:txBody>
+                    <a:bodyPr/>
+                    <a:lstStyle/>
+                    <a:p>
+                      <a:pPr marL="0" marR="0" lvl="0" indent="0" algn="l" defTabSz="914400" rtl="0" eaLnBrk="1" fontAlgn="auto" latinLnBrk="0" hangingPunct="1">
+                        <a:lnSpc>
+                          <a:spcPct val="100000"/>
+                        </a:lnSpc>
+                        <a:spcBef>
+                          <a:spcPts val="0"/>
+                        </a:spcBef>
+                        <a:spcAft>
+                          <a:spcPts val="0"/>
+                        </a:spcAft>
+                        <a:buClrTx/>
+                        <a:buSzTx/>
+                        <a:buFontTx/>
+                        <a:buNone/>
+                        <a:tabLst/>
+                        <a:defRPr/>
+                      </a:pPr>
+                      <a:r>
+                        <a:rPr lang="en-US" sz="2400" dirty="0" smtClean="0"/>
+                        <a:t>Online chat support</a:t>
+                      </a:r>
+                      <a:endParaRPr lang="en-US" sz="2400" dirty="0"/>
+                    </a:p>
+                  </a:txBody>
+                  <a:tcPr/>
+                </a:tc>
+                <a:tc>
+                  <a:txBody>
+                    <a:bodyPr/>
+                    <a:lstStyle/>
+                    <a:p>
+                      <a:r>
+                        <a:rPr lang="en-US" sz="2400" dirty="0" smtClean="0"/>
+                        <a:t>Bon Nguyen</a:t>
+                      </a:r>
+                      <a:endParaRPr lang="en-US" sz="2400" dirty="0"/>
                     </a:p>
                   </a:txBody>
                   <a:tcPr/>
@@ -13374,6 +13908,85 @@
                     <a16:rowId xmlns:a16="http://schemas.microsoft.com/office/drawing/2014/main" xmlns="" val="1119474407"/>
                   </a:ext>
                 </a:extLst>
+              </a:tr>
+              <a:tr h="475383">
+                <a:tc>
+                  <a:txBody>
+                    <a:bodyPr/>
+                    <a:lstStyle/>
+                    <a:p>
+                      <a:r>
+                        <a:rPr lang="en-US" sz="2400" dirty="0" smtClean="0"/>
+                        <a:t>7</a:t>
+                      </a:r>
+                      <a:endParaRPr lang="en-US" sz="2400" dirty="0"/>
+                    </a:p>
+                  </a:txBody>
+                  <a:tcPr/>
+                </a:tc>
+                <a:tc>
+                  <a:txBody>
+                    <a:bodyPr/>
+                    <a:lstStyle/>
+                    <a:p>
+                      <a:r>
+                        <a:rPr lang="en-US" sz="2400" dirty="0" smtClean="0"/>
+                        <a:t>Login / Logout</a:t>
+                      </a:r>
+                      <a:endParaRPr lang="en-US" sz="2400" dirty="0"/>
+                    </a:p>
+                  </a:txBody>
+                  <a:tcPr/>
+                </a:tc>
+                <a:tc>
+                  <a:txBody>
+                    <a:bodyPr/>
+                    <a:lstStyle/>
+                    <a:p>
+                      <a:pPr marL="0" marR="0" lvl="0" indent="0" algn="l" defTabSz="914400" rtl="0" eaLnBrk="1" fontAlgn="auto" latinLnBrk="0" hangingPunct="1">
+                        <a:lnSpc>
+                          <a:spcPct val="100000"/>
+                        </a:lnSpc>
+                        <a:spcBef>
+                          <a:spcPts val="0"/>
+                        </a:spcBef>
+                        <a:spcAft>
+                          <a:spcPts val="0"/>
+                        </a:spcAft>
+                        <a:buClrTx/>
+                        <a:buSzTx/>
+                        <a:buFontTx/>
+                        <a:buNone/>
+                        <a:tabLst/>
+                        <a:defRPr/>
+                      </a:pPr>
+                      <a:r>
+                        <a:rPr lang="en-US" sz="2400" dirty="0" smtClean="0"/>
+                        <a:t>Log user in/out</a:t>
+                      </a:r>
+                      <a:endParaRPr lang="en-US" sz="2400" dirty="0"/>
+                    </a:p>
+                  </a:txBody>
+                  <a:tcPr/>
+                </a:tc>
+                <a:tc>
+                  <a:txBody>
+                    <a:bodyPr/>
+                    <a:lstStyle/>
+                    <a:p>
+                      <a:r>
+                        <a:rPr lang="en-US" sz="2400" dirty="0" err="1" smtClean="0"/>
+                        <a:t>Hiep</a:t>
+                      </a:r>
+                      <a:r>
+                        <a:rPr lang="en-US" sz="2400" dirty="0" smtClean="0"/>
+                        <a:t> Nguyen</a:t>
+                      </a:r>
+                      <a:endParaRPr lang="en-US" sz="2400" dirty="0"/>
+                    </a:p>
+                  </a:txBody>
+                  <a:tcPr/>
+                </a:tc>
               </a:tr>
             </a:tbl>
           </a:graphicData>
@@ -13482,28 +14095,28 @@
       </p:sp>
       <p:pic>
         <p:nvPicPr>
-          <p:cNvPr id="4" name="Picture 3">
-            <a:extLst>
-              <a:ext uri="{FF2B5EF4-FFF2-40B4-BE49-F238E27FC236}">
-                <a16:creationId xmlns:a16="http://schemas.microsoft.com/office/drawing/2014/main" xmlns="" id="{226C1CBA-B4B7-45EB-8C52-6A88DE570EF8}"/>
-              </a:ext>
-            </a:extLst>
-          </p:cNvPr>
+          <p:cNvPr id="5" name="Picture 4"/>
           <p:cNvPicPr>
             <a:picLocks noChangeAspect="1"/>
           </p:cNvPicPr>
           <p:nvPr/>
         </p:nvPicPr>
         <p:blipFill>
-          <a:blip r:embed="rId2"/>
+          <a:blip r:embed="rId2">
+            <a:extLst>
+              <a:ext uri="{28A0092B-C50C-407E-A947-70E740481C1C}">
+                <a14:useLocalDpi xmlns:a14="http://schemas.microsoft.com/office/drawing/2010/main" val="0"/>
+              </a:ext>
+            </a:extLst>
+          </a:blip>
           <a:stretch>
             <a:fillRect/>
           </a:stretch>
         </p:blipFill>
         <p:spPr>
           <a:xfrm>
-            <a:off x="2798761" y="1643271"/>
-            <a:ext cx="6591300" cy="4445483"/>
+            <a:off x="1953711" y="1431838"/>
+            <a:ext cx="7387059" cy="5212036"/>
           </a:xfrm>
           <a:prstGeom prst="rect">
             <a:avLst/>
@@ -13591,8 +14204,8 @@
         </p:nvSpPr>
         <p:spPr>
           <a:xfrm>
-            <a:off x="1141412" y="1643271"/>
-            <a:ext cx="9905999" cy="4147930"/>
+            <a:off x="1141412" y="1643270"/>
+            <a:ext cx="9905999" cy="4989023"/>
           </a:xfrm>
         </p:spPr>
         <p:txBody>
@@ -13601,53 +14214,171 @@
           </a:bodyPr>
           <a:lstStyle/>
           <a:p>
-            <a:r>
-              <a:rPr lang="en-US" sz="3200" dirty="0"/>
-              <a:t> Spring Boot</a:t>
-            </a:r>
-          </a:p>
-          <a:p>
-            <a:r>
-              <a:rPr lang="en-US" sz="3200" dirty="0"/>
-              <a:t> Spring Web/MVC and </a:t>
-            </a:r>
-            <a:r>
-              <a:rPr lang="en-US" sz="3200" dirty="0" err="1"/>
-              <a:t>Thymeleaf</a:t>
-            </a:r>
-            <a:endParaRPr lang="en-US" sz="3200" dirty="0"/>
-          </a:p>
-          <a:p>
-            <a:r>
-              <a:rPr lang="en-US" sz="3200" dirty="0"/>
-              <a:t> Spring AOP, </a:t>
-            </a:r>
-          </a:p>
-          <a:p>
-            <a:r>
-              <a:rPr lang="en-US" sz="3200" dirty="0"/>
-              <a:t> Transaction and Validation</a:t>
-            </a:r>
-          </a:p>
-          <a:p>
-            <a:r>
-              <a:rPr lang="en-US" sz="3200" dirty="0"/>
-              <a:t> Spring JPA</a:t>
-            </a:r>
-          </a:p>
-          <a:p>
-            <a:r>
-              <a:rPr lang="en-US" sz="3200" dirty="0"/>
-              <a:t> DB: MySQL/Mac and </a:t>
-            </a:r>
-            <a:r>
-              <a:rPr lang="en-US" sz="3200" dirty="0" err="1"/>
-              <a:t>Postgre</a:t>
-            </a:r>
-            <a:r>
-              <a:rPr lang="en-US" sz="3200" dirty="0"/>
-              <a:t>/Windows</a:t>
-            </a:r>
+            <a:pPr lvl="1"/>
+            <a:r>
+              <a:rPr lang="en-US" sz="1600" dirty="0" smtClean="0">
+                <a:effectLst/>
+              </a:rPr>
+              <a:t>Annotation </a:t>
+            </a:r>
+            <a:endParaRPr lang="en-US" sz="1600" dirty="0">
+              <a:effectLst/>
+            </a:endParaRPr>
+          </a:p>
+          <a:p>
+            <a:pPr lvl="1"/>
+            <a:r>
+              <a:rPr lang="en-US" sz="1600" dirty="0">
+                <a:effectLst/>
+              </a:rPr>
+              <a:t>Data binding</a:t>
+            </a:r>
+          </a:p>
+          <a:p>
+            <a:pPr lvl="1"/>
+            <a:r>
+              <a:rPr lang="en-US" sz="1600" dirty="0">
+                <a:effectLst/>
+              </a:rPr>
+              <a:t>Validation; Custom Validation</a:t>
+            </a:r>
+          </a:p>
+          <a:p>
+            <a:pPr lvl="1"/>
+            <a:r>
+              <a:rPr lang="en-US" sz="1600" dirty="0">
+                <a:effectLst/>
+              </a:rPr>
+              <a:t>Custom Formatter</a:t>
+            </a:r>
+          </a:p>
+          <a:p>
+            <a:pPr lvl="1"/>
+            <a:r>
+              <a:rPr lang="en-US" sz="1600" dirty="0">
+                <a:effectLst/>
+              </a:rPr>
+              <a:t>Uploading files -&gt; Chua lam</a:t>
+            </a:r>
+          </a:p>
+          <a:p>
+            <a:pPr lvl="1"/>
+            <a:r>
+              <a:rPr lang="en-US" sz="1600" dirty="0">
+                <a:effectLst/>
+              </a:rPr>
+              <a:t>Internationalization</a:t>
+            </a:r>
+          </a:p>
+          <a:p>
+            <a:pPr lvl="1"/>
+            <a:r>
+              <a:rPr lang="en-US" sz="1600" dirty="0">
+                <a:effectLst/>
+              </a:rPr>
+              <a:t>Exception Handling</a:t>
+            </a:r>
+          </a:p>
+          <a:p>
+            <a:pPr lvl="1"/>
+            <a:r>
+              <a:rPr lang="en-US" sz="1600" dirty="0">
+                <a:effectLst/>
+              </a:rPr>
+              <a:t>REST/Ajax two way; error handling </a:t>
+            </a:r>
+            <a:r>
+              <a:rPr lang="en-US" sz="1600" dirty="0">
+                <a:effectLst/>
+                <a:sym typeface="Wingdings" charset="2"/>
+              </a:rPr>
+              <a:t></a:t>
+            </a:r>
+            <a:r>
+              <a:rPr lang="en-US" sz="1600" dirty="0">
+                <a:effectLst/>
+              </a:rPr>
+              <a:t> Chua lam</a:t>
+            </a:r>
+          </a:p>
+          <a:p>
+            <a:pPr lvl="1"/>
+            <a:r>
+              <a:rPr lang="en-US" sz="1600" dirty="0">
+                <a:effectLst/>
+              </a:rPr>
+              <a:t>Security ; Login, Authorization</a:t>
+            </a:r>
+          </a:p>
+          <a:p>
+            <a:pPr lvl="1"/>
+            <a:r>
+              <a:rPr lang="en-US" sz="1600" dirty="0">
+                <a:effectLst/>
+              </a:rPr>
+              <a:t>Web Sockets</a:t>
+            </a:r>
+          </a:p>
+          <a:p>
+            <a:pPr lvl="1"/>
+            <a:r>
+              <a:rPr lang="en-US" sz="1600" dirty="0">
+                <a:effectLst/>
+              </a:rPr>
+              <a:t>Web Flow</a:t>
+            </a:r>
+          </a:p>
+          <a:p>
+            <a:pPr lvl="1"/>
+            <a:r>
+              <a:rPr lang="en-US" sz="1600" dirty="0" smtClean="0">
+                <a:effectLst/>
+              </a:rPr>
+              <a:t>Tiles</a:t>
+            </a:r>
+            <a:endParaRPr lang="en-US" sz="1600" dirty="0">
+              <a:effectLst/>
+            </a:endParaRPr>
+          </a:p>
+          <a:p>
+            <a:pPr lvl="1"/>
+            <a:r>
+              <a:rPr lang="en-US" sz="1600" dirty="0">
+                <a:effectLst/>
+              </a:rPr>
+              <a:t>Persistence in database [</a:t>
+            </a:r>
+            <a:r>
+              <a:rPr lang="en-US" sz="1600" dirty="0" smtClean="0">
+                <a:effectLst/>
+              </a:rPr>
+              <a:t>JPA]</a:t>
+            </a:r>
+            <a:endParaRPr lang="en-US" sz="1600" dirty="0"/>
+          </a:p>
+          <a:p>
+            <a:pPr lvl="1"/>
+            <a:r>
+              <a:rPr lang="en-US" sz="1600" dirty="0">
+                <a:effectLst/>
+              </a:rPr>
+              <a:t>DB</a:t>
+            </a:r>
+            <a:r>
+              <a:rPr lang="en-US" sz="1600" dirty="0">
+                <a:effectLst/>
+              </a:rPr>
+              <a:t>: </a:t>
+            </a:r>
+            <a:r>
+              <a:rPr lang="en-US" sz="1600" dirty="0">
+                <a:effectLst/>
+              </a:rPr>
+              <a:t>MySQL</a:t>
+            </a:r>
+            <a:endParaRPr lang="en-US" sz="1600" dirty="0">
+              <a:effectLst/>
+            </a:endParaRPr>
           </a:p>
           <a:p>
             <a:endParaRPr lang="en-US" sz="3200" dirty="0"/>
@@ -13715,8 +14446,9 @@
           <a:p>
             <a:r>
               <a:rPr lang="en-US" dirty="0"/>
-              <a:t>Extension</a:t>
-            </a:r>
+              <a:t>Future Extension</a:t>
+            </a:r>
+            <a:endParaRPr lang="en-US" dirty="0"/>
           </a:p>
         </p:txBody>
       </p:sp>
@@ -13744,7 +14476,7 @@
         </p:spPr>
         <p:txBody>
           <a:bodyPr>
-            <a:normAutofit/>
+            <a:normAutofit fontScale="92500" lnSpcReduction="10000"/>
           </a:bodyPr>
           <a:lstStyle/>
           <a:p>
@@ -13756,16 +14488,25 @@
           <a:p>
             <a:pPr lvl="1"/>
             <a:r>
-              <a:rPr lang="en-US" sz="2800" dirty="0"/>
-              <a:t> Customer</a:t>
-            </a:r>
+              <a:rPr lang="en-US" sz="2800" dirty="0" smtClean="0"/>
+              <a:t>Customer register</a:t>
+            </a:r>
+            <a:endParaRPr lang="en-US" sz="2800" dirty="0"/>
           </a:p>
           <a:p>
             <a:pPr lvl="1"/>
             <a:r>
-              <a:rPr lang="en-US" sz="2800" dirty="0"/>
-              <a:t> Ticket</a:t>
-            </a:r>
+              <a:rPr lang="en-US" sz="2800" dirty="0" smtClean="0"/>
+              <a:t>Email booking</a:t>
+            </a:r>
+          </a:p>
+          <a:p>
+            <a:pPr lvl="1"/>
+            <a:r>
+              <a:rPr lang="en-US" sz="2800" dirty="0" smtClean="0"/>
+              <a:t>Payment</a:t>
+            </a:r>
+            <a:endParaRPr lang="en-US" sz="2800" dirty="0"/>
           </a:p>
           <a:p>
             <a:r>
@@ -13777,7 +14518,15 @@
             <a:pPr lvl="1"/>
             <a:r>
               <a:rPr lang="en-US" sz="2800" dirty="0"/>
-              <a:t> Advanced Search, Security, Error Handling, Mobile app</a:t>
+              <a:t> Advanced Search</a:t>
+            </a:r>
+            <a:r>
+              <a:rPr lang="en-US" sz="2800" dirty="0" smtClean="0"/>
+              <a:t>, </a:t>
+            </a:r>
+            <a:r>
+              <a:rPr lang="en-US" sz="2800" dirty="0"/>
+              <a:t>Mobile app</a:t>
             </a:r>
           </a:p>
           <a:p>
@@ -14292,4 +15041,265 @@
     </a:ext>
   </a:extLst>
 </a:theme>
+</file>
+
+<file path=ppt/theme/theme2.xml><?xml version="1.0" encoding="utf-8"?>
+<a:theme xmlns:a="http://schemas.openxmlformats.org/drawingml/2006/main" name="Office Theme">
+  <a:themeElements>
+    <a:clrScheme name="Office">
+      <a:dk1>
+        <a:sysClr val="windowText" lastClr="000000"/>
+      </a:dk1>
+      <a:lt1>
+        <a:sysClr val="window" lastClr="FFFFFF"/>
+      </a:lt1>
+      <a:dk2>
+        <a:srgbClr val="44546A"/>
+      </a:dk2>
+      <a:lt2>
+        <a:srgbClr val="E7E6E6"/>
+      </a:lt2>
+      <a:accent1>
+        <a:srgbClr val="5B9BD5"/>
+      </a:accent1>
+      <a:accent2>
+        <a:srgbClr val="ED7D31"/>
+      </a:accent2>
+      <a:accent3>
+        <a:srgbClr val="A5A5A5"/>
+      </a:accent3>
+      <a:accent4>
+        <a:srgbClr val="FFC000"/>
+      </a:accent4>
+      <a:accent5>
+        <a:srgbClr val="4472C4"/>
+      </a:accent5>
+      <a:accent6>
+        <a:srgbClr val="70AD47"/>
+      </a:accent6>
+      <a:hlink>
+        <a:srgbClr val="0563C1"/>
+      </a:hlink>
+      <a:folHlink>
+        <a:srgbClr val="954F72"/>
+      </a:folHlink>
+    </a:clrScheme>
+    <a:fontScheme name="Office">
+      <a:majorFont>
+        <a:latin typeface="Calibri Light" panose="020F0302020204030204"/>
+        <a:ea typeface=""/>
+        <a:cs typeface=""/>
+        <a:font script="Jpan" typeface="Yu Gothic Light"/>
+        <a:font script="Hang" typeface="맑은 고딕"/>
+        <a:font script="Hans" typeface="DengXian Light"/>
+        <a:font script="Hant" typeface="新細明體"/>
+        <a:font script="Arab" typeface="Times New Roman"/>
+        <a:font script="Hebr" typeface="Times New Roman"/>
+        <a:font script="Thai" typeface="Angsana New"/>
+        <a:font script="Ethi" typeface="Nyala"/>
+        <a:font script="Beng" typeface="Vrinda"/>
+        <a:font script="Gujr" typeface="Shruti"/>
+        <a:font script="Khmr" typeface="MoolBoran"/>
+        <a:font script="Knda" typeface="Tunga"/>
+        <a:font script="Guru" typeface="Raavi"/>
+        <a:font script="Cans" typeface="Euphemia"/>
+        <a:font script="Cher" typeface="Plantagenet Cherokee"/>
+        <a:font script="Yiii" typeface="Microsoft Yi Baiti"/>
+        <a:font script="Tibt" typeface="Microsoft Himalaya"/>
+        <a:font script="Thaa" typeface="MV Boli"/>
+        <a:font script="Deva" typeface="Mangal"/>
+        <a:font script="Telu" typeface="Gautami"/>
+        <a:font script="Taml" typeface="Latha"/>
+        <a:font script="Syrc" typeface="Estrangelo Edessa"/>
+        <a:font script="Orya" typeface="Kalinga"/>
+        <a:font script="Mlym" typeface="Kartika"/>
+        <a:font script="Laoo" typeface="DokChampa"/>
+        <a:font script="Sinh" typeface="Iskoola Pota"/>
+        <a:font script="Mong" typeface="Mongolian Baiti"/>
+        <a:font script="Viet" typeface="Times New Roman"/>
+        <a:font script="Uigh" typeface="Microsoft Uighur"/>
+        <a:font script="Geor" typeface="Sylfaen"/>
+      </a:majorFont>
+      <a:minorFont>
+        <a:latin typeface="Calibri" panose="020F0502020204030204"/>
+        <a:ea typeface=""/>
+        <a:cs typeface=""/>
+        <a:font script="Jpan" typeface="Yu Gothic"/>
+        <a:font script="Hang" typeface="맑은 고딕"/>
+        <a:font script="Hans" typeface="DengXian"/>
+        <a:font script="Hant" typeface="新細明體"/>
+        <a:font script="Arab" typeface="Arial"/>
+        <a:font script="Hebr" typeface="Arial"/>
+        <a:font script="Thai" typeface="Cordia New"/>
+        <a:font script="Ethi" typeface="Nyala"/>
+        <a:font script="Beng" typeface="Vrinda"/>
+        <a:font script="Gujr" typeface="Shruti"/>
+        <a:font script="Khmr" typeface="DaunPenh"/>
+        <a:font script="Knda" typeface="Tunga"/>
+        <a:font script="Guru" typeface="Raavi"/>
+        <a:font script="Cans" typeface="Euphemia"/>
+        <a:font script="Cher" typeface="Plantagenet Cherokee"/>
+        <a:font script="Yiii" typeface="Microsoft Yi Baiti"/>
+        <a:font script="Tibt" typeface="Microsoft Himalaya"/>
+        <a:font script="Thaa" typeface="MV Boli"/>
+        <a:font script="Deva" typeface="Mangal"/>
+        <a:font script="Telu" typeface="Gautami"/>
+        <a:font script="Taml" typeface="Latha"/>
+        <a:font script="Syrc" typeface="Estrangelo Edessa"/>
+        <a:font script="Orya" typeface="Kalinga"/>
+        <a:font script="Mlym" typeface="Kartika"/>
+        <a:font script="Laoo" typeface="DokChampa"/>
+        <a:font script="Sinh" typeface="Iskoola Pota"/>
+        <a:font script="Mong" typeface="Mongolian Baiti"/>
+        <a:font script="Viet" typeface="Arial"/>
+        <a:font script="Uigh" typeface="Microsoft Uighur"/>
+        <a:font script="Geor" typeface="Sylfaen"/>
+      </a:minorFont>
+    </a:fontScheme>
+    <a:fmtScheme name="Office">
+      <a:fillStyleLst>
+        <a:solidFill>
+          <a:schemeClr val="phClr"/>
+        </a:solidFill>
+        <a:gradFill rotWithShape="1">
+          <a:gsLst>
+            <a:gs pos="0">
+              <a:schemeClr val="phClr">
+                <a:lumMod val="110000"/>
+                <a:satMod val="105000"/>
+                <a:tint val="67000"/>
+              </a:schemeClr>
+            </a:gs>
+            <a:gs pos="50000">
+              <a:schemeClr val="phClr">
+                <a:lumMod val="105000"/>
+                <a:satMod val="103000"/>
+                <a:tint val="73000"/>
+              </a:schemeClr>
+            </a:gs>
+            <a:gs pos="100000">
+              <a:schemeClr val="phClr">
+                <a:lumMod val="105000"/>
+                <a:satMod val="109000"/>
+                <a:tint val="81000"/>
+              </a:schemeClr>
+            </a:gs>
+          </a:gsLst>
+          <a:lin ang="5400000" scaled="0"/>
+        </a:gradFill>
+        <a:gradFill rotWithShape="1">
+          <a:gsLst>
+            <a:gs pos="0">
+              <a:schemeClr val="phClr">
+                <a:satMod val="103000"/>
+                <a:lumMod val="102000"/>
+                <a:tint val="94000"/>
+              </a:schemeClr>
+            </a:gs>
+            <a:gs pos="50000">
+              <a:schemeClr val="phClr">
+                <a:satMod val="110000"/>
+                <a:lumMod val="100000"/>
+                <a:shade val="100000"/>
+              </a:schemeClr>
+            </a:gs>
+            <a:gs pos="100000">
+              <a:schemeClr val="phClr">
+                <a:lumMod val="99000"/>
+                <a:satMod val="120000"/>
+                <a:shade val="78000"/>
+              </a:schemeClr>
+            </a:gs>
+          </a:gsLst>
+          <a:lin ang="5400000" scaled="0"/>
+        </a:gradFill>
+      </a:fillStyleLst>
+      <a:lnStyleLst>
+        <a:ln w="6350" cap="flat" cmpd="sng" algn="ctr">
+          <a:solidFill>
+            <a:schemeClr val="phClr"/>
+          </a:solidFill>
+          <a:prstDash val="solid"/>
+          <a:miter lim="800000"/>
+        </a:ln>
+        <a:ln w="12700" cap="flat" cmpd="sng" algn="ctr">
+          <a:solidFill>
+            <a:schemeClr val="phClr"/>
+          </a:solidFill>
+          <a:prstDash val="solid"/>
+          <a:miter lim="800000"/>
+        </a:ln>
+        <a:ln w="19050" cap="flat" cmpd="sng" algn="ctr">
+          <a:solidFill>
+            <a:schemeClr val="phClr"/>
+          </a:solidFill>
+          <a:prstDash val="solid"/>
+          <a:miter lim="800000"/>
+        </a:ln>
+      </a:lnStyleLst>
+      <a:effectStyleLst>
+        <a:effectStyle>
+          <a:effectLst/>
+        </a:effectStyle>
+        <a:effectStyle>
+          <a:effectLst/>
+        </a:effectStyle>
+        <a:effectStyle>
+          <a:effectLst>
+            <a:outerShdw blurRad="57150" dist="19050" dir="5400000" algn="ctr" rotWithShape="0">
+              <a:srgbClr val="000000">
+                <a:alpha val="63000"/>
+              </a:srgbClr>
+            </a:outerShdw>
+          </a:effectLst>
+        </a:effectStyle>
+      </a:effectStyleLst>
+      <a:bgFillStyleLst>
+        <a:solidFill>
+          <a:schemeClr val="phClr"/>
+        </a:solidFill>
+        <a:solidFill>
+          <a:schemeClr val="phClr">
+            <a:tint val="95000"/>
+            <a:satMod val="170000"/>
+          </a:schemeClr>
+        </a:solidFill>
+        <a:gradFill rotWithShape="1">
+          <a:gsLst>
+            <a:gs pos="0">
+              <a:schemeClr val="phClr">
+                <a:tint val="93000"/>
+                <a:satMod val="150000"/>
+                <a:shade val="98000"/>
+                <a:lumMod val="102000"/>
+              </a:schemeClr>
+            </a:gs>
+            <a:gs pos="50000">
+              <a:schemeClr val="phClr">
+                <a:tint val="98000"/>
+                <a:satMod val="130000"/>
+                <a:shade val="90000"/>
+                <a:lumMod val="103000"/>
+              </a:schemeClr>
+            </a:gs>
+            <a:gs pos="100000">
+              <a:schemeClr val="phClr">
+                <a:shade val="63000"/>
+                <a:satMod val="120000"/>
+              </a:schemeClr>
+            </a:gs>
+          </a:gsLst>
+          <a:lin ang="5400000" scaled="0"/>
+        </a:gradFill>
+      </a:bgFillStyleLst>
+    </a:fmtScheme>
+  </a:themeElements>
+  <a:objectDefaults/>
+  <a:extraClrSchemeLst/>
+  <a:extLst>
+    <a:ext uri="{05A4C25C-085E-4340-85A3-A5531E510DB2}">
+      <thm15:themeFamily xmlns:thm15="http://schemas.microsoft.com/office/thememl/2012/main" name="Office Theme" id="{62F939B6-93AF-4DB8-9C6B-D6C7DFDC589F}" vid="{4A3C46E8-61CC-4603-A589-7422A47A8E4A}"/>
+    </a:ext>
+  </a:extLst>
+</a:theme>
 </file>
--- a/document/Saigonese-Flight-Management-System.pptx
+++ b/document/Saigonese-Flight-Management-System.pptx
@@ -5,18 +5,19 @@
     <p:sldMasterId id="2147483648" r:id="rId1"/>
   </p:sldMasterIdLst>
   <p:notesMasterIdLst>
-    <p:notesMasterId r:id="rId11"/>
+    <p:notesMasterId r:id="rId12"/>
   </p:notesMasterIdLst>
   <p:sldIdLst>
     <p:sldId id="256" r:id="rId2"/>
     <p:sldId id="257" r:id="rId3"/>
     <p:sldId id="258" r:id="rId4"/>
-    <p:sldId id="261" r:id="rId5"/>
-    <p:sldId id="259" r:id="rId6"/>
-    <p:sldId id="260" r:id="rId7"/>
-    <p:sldId id="262" r:id="rId8"/>
-    <p:sldId id="264" r:id="rId9"/>
-    <p:sldId id="263" r:id="rId10"/>
+    <p:sldId id="265" r:id="rId5"/>
+    <p:sldId id="261" r:id="rId6"/>
+    <p:sldId id="259" r:id="rId7"/>
+    <p:sldId id="260" r:id="rId8"/>
+    <p:sldId id="262" r:id="rId9"/>
+    <p:sldId id="264" r:id="rId10"/>
+    <p:sldId id="263" r:id="rId11"/>
   </p:sldIdLst>
   <p:sldSz cx="12192000" cy="6858000"/>
   <p:notesSz cx="6858000" cy="9144000"/>
@@ -12943,6 +12944,110 @@
 </p:sld>
 </file>
 
+<file path=ppt/slides/slide10.xml><?xml version="1.0" encoding="utf-8"?>
+<p:sld xmlns:a="http://schemas.openxmlformats.org/drawingml/2006/main" xmlns:r="http://schemas.openxmlformats.org/officeDocument/2006/relationships" xmlns:p="http://schemas.openxmlformats.org/presentationml/2006/main">
+  <p:cSld>
+    <p:spTree>
+      <p:nvGrpSpPr>
+        <p:cNvPr id="1" name=""/>
+        <p:cNvGrpSpPr/>
+        <p:nvPr/>
+      </p:nvGrpSpPr>
+      <p:grpSpPr>
+        <a:xfrm>
+          <a:off x="0" y="0"/>
+          <a:ext cx="0" cy="0"/>
+          <a:chOff x="0" y="0"/>
+          <a:chExt cx="0" cy="0"/>
+        </a:xfrm>
+      </p:grpSpPr>
+      <p:sp>
+        <p:nvSpPr>
+          <p:cNvPr id="2" name="Title 1">
+            <a:extLst>
+              <a:ext uri="{FF2B5EF4-FFF2-40B4-BE49-F238E27FC236}">
+                <a16:creationId xmlns:a16="http://schemas.microsoft.com/office/drawing/2014/main" xmlns="" id="{C93179FA-8E2F-449F-A964-7E7BC2DF2DFC}"/>
+              </a:ext>
+            </a:extLst>
+          </p:cNvPr>
+          <p:cNvSpPr>
+            <a:spLocks noGrp="1"/>
+          </p:cNvSpPr>
+          <p:nvPr>
+            <p:ph type="title"/>
+          </p:nvPr>
+        </p:nvSpPr>
+        <p:spPr>
+          <a:xfrm>
+            <a:off x="1141413" y="618519"/>
+            <a:ext cx="9905998" cy="1024752"/>
+          </a:xfrm>
+        </p:spPr>
+        <p:txBody>
+          <a:bodyPr/>
+          <a:lstStyle/>
+          <a:p>
+            <a:r>
+              <a:rPr lang="en-US" dirty="0"/>
+              <a:t>Demo</a:t>
+            </a:r>
+          </a:p>
+        </p:txBody>
+      </p:sp>
+      <p:sp>
+        <p:nvSpPr>
+          <p:cNvPr id="3" name="Content Placeholder 2">
+            <a:extLst>
+              <a:ext uri="{FF2B5EF4-FFF2-40B4-BE49-F238E27FC236}">
+                <a16:creationId xmlns:a16="http://schemas.microsoft.com/office/drawing/2014/main" xmlns="" id="{95861D30-D862-4D1A-8629-627C31FF42C4}"/>
+              </a:ext>
+            </a:extLst>
+          </p:cNvPr>
+          <p:cNvSpPr>
+            <a:spLocks noGrp="1"/>
+          </p:cNvSpPr>
+          <p:nvPr>
+            <p:ph idx="1"/>
+          </p:nvPr>
+        </p:nvSpPr>
+        <p:spPr>
+          <a:xfrm>
+            <a:off x="1141412" y="1643271"/>
+            <a:ext cx="9905999" cy="4147930"/>
+          </a:xfrm>
+        </p:spPr>
+        <p:txBody>
+          <a:bodyPr>
+            <a:normAutofit/>
+          </a:bodyPr>
+          <a:lstStyle/>
+          <a:p>
+            <a:r>
+              <a:rPr lang="en-US" sz="2800" dirty="0"/>
+              <a:t> Q&amp;A</a:t>
+            </a:r>
+          </a:p>
+          <a:p>
+            <a:endParaRPr lang="en-US" sz="2800" dirty="0"/>
+          </a:p>
+          <a:p>
+            <a:endParaRPr lang="en-US" sz="2800" dirty="0"/>
+          </a:p>
+        </p:txBody>
+      </p:sp>
+    </p:spTree>
+    <p:extLst>
+      <p:ext uri="{BB962C8B-B14F-4D97-AF65-F5344CB8AC3E}">
+        <p14:creationId xmlns:p14="http://schemas.microsoft.com/office/powerpoint/2010/main" val="2661886543"/>
+      </p:ext>
+    </p:extLst>
+  </p:cSld>
+  <p:clrMapOvr>
+    <a:masterClrMapping/>
+  </p:clrMapOvr>
+</p:sld>
+</file>
+
 <file path=ppt/slides/slide2.xml><?xml version="1.0" encoding="utf-8"?>
 <p:sld xmlns:a="http://schemas.openxmlformats.org/drawingml/2006/main" xmlns:r="http://schemas.openxmlformats.org/officeDocument/2006/relationships" xmlns:p="http://schemas.openxmlformats.org/presentationml/2006/main">
   <p:cSld>
@@ -13017,7 +13122,7 @@
         </p:spPr>
         <p:txBody>
           <a:bodyPr>
-            <a:normAutofit lnSpcReduction="10000"/>
+            <a:normAutofit fontScale="92500" lnSpcReduction="20000"/>
           </a:bodyPr>
           <a:lstStyle/>
           <a:p>
@@ -13026,9 +13131,20 @@
               <a:buAutoNum type="arabicPeriod"/>
             </a:pPr>
             <a:r>
-              <a:rPr lang="en-US" sz="3200" dirty="0"/>
+              <a:rPr lang="en-US" sz="3200" dirty="0" smtClean="0"/>
+              <a:t>About</a:t>
+            </a:r>
+          </a:p>
+          <a:p>
+            <a:pPr marL="742950" indent="-742950">
+              <a:buFont typeface="+mj-lt"/>
+              <a:buAutoNum type="arabicPeriod"/>
+            </a:pPr>
+            <a:r>
+              <a:rPr lang="en-US" sz="3200" dirty="0" smtClean="0"/>
               <a:t>Introduction</a:t>
             </a:r>
+            <a:endParaRPr lang="en-US" sz="3200" dirty="0"/>
           </a:p>
           <a:p>
             <a:pPr marL="742950" indent="-742950">
@@ -13153,9 +13269,10 @@
           <a:lstStyle/>
           <a:p>
             <a:r>
-              <a:rPr lang="en-US" dirty="0"/>
-              <a:t>introduction</a:t>
-            </a:r>
+              <a:rPr lang="en-US" dirty="0" smtClean="0"/>
+              <a:t>Project</a:t>
+            </a:r>
+            <a:endParaRPr lang="en-US" dirty="0"/>
           </a:p>
         </p:txBody>
       </p:sp>
@@ -13183,29 +13300,38 @@
         </p:spPr>
         <p:txBody>
           <a:bodyPr>
-            <a:noAutofit/>
+            <a:normAutofit lnSpcReduction="10000"/>
           </a:bodyPr>
           <a:lstStyle/>
           <a:p>
             <a:r>
               <a:rPr lang="en-US" sz="3200" dirty="0"/>
-              <a:t> Flight Information System is to manage and present all flight info and related info: airplane, airline and airport.</a:t>
+              <a:t>Flight Management and Booking project, an engineering proof of concept. It is not a planned marketable project.</a:t>
             </a:r>
           </a:p>
           <a:p>
             <a:r>
               <a:rPr lang="en-US" sz="3200" dirty="0"/>
-              <a:t> The team decided to selected a type of project that we could practice the studied topics as many as possible.</a:t>
+              <a:t>The goal is to exercise the Spring MVC technology according to the Web Application Architecture (WAA) course guidelines to validate its use in future projects.</a:t>
             </a:r>
           </a:p>
           <a:p>
             <a:r>
               <a:rPr lang="en-US" sz="3200" dirty="0"/>
-              <a:t> Ability to extend business domain and technologies.</a:t>
-            </a:r>
-          </a:p>
-          <a:p>
-            <a:endParaRPr lang="en-US" sz="3200" dirty="0"/>
+              <a:t>The team decided to </a:t>
+            </a:r>
+            <a:r>
+              <a:rPr lang="en-US" sz="3200" dirty="0" smtClean="0"/>
+              <a:t>select </a:t>
+            </a:r>
+            <a:r>
+              <a:rPr lang="en-US" sz="3200" dirty="0"/>
+              <a:t>a type of project that we could practice the studied topics as many as </a:t>
+            </a:r>
+            <a:r>
+              <a:rPr lang="en-US" sz="3200" dirty="0" smtClean="0"/>
+              <a:t>possible.</a:t>
+            </a:r>
           </a:p>
         </p:txBody>
       </p:sp>
@@ -13266,6 +13392,160 @@
           <a:lstStyle/>
           <a:p>
             <a:r>
+              <a:rPr lang="en-US" dirty="0"/>
+              <a:t>introduction</a:t>
+            </a:r>
+          </a:p>
+        </p:txBody>
+      </p:sp>
+      <p:sp>
+        <p:nvSpPr>
+          <p:cNvPr id="3" name="Content Placeholder 2">
+            <a:extLst>
+              <a:ext uri="{FF2B5EF4-FFF2-40B4-BE49-F238E27FC236}">
+                <a16:creationId xmlns:a16="http://schemas.microsoft.com/office/drawing/2014/main" xmlns="" id="{95861D30-D862-4D1A-8629-627C31FF42C4}"/>
+              </a:ext>
+            </a:extLst>
+          </p:cNvPr>
+          <p:cNvSpPr>
+            <a:spLocks noGrp="1"/>
+          </p:cNvSpPr>
+          <p:nvPr>
+            <p:ph idx="1"/>
+          </p:nvPr>
+        </p:nvSpPr>
+        <p:spPr>
+          <a:xfrm>
+            <a:off x="1141412" y="1643271"/>
+            <a:ext cx="9905999" cy="4147930"/>
+          </a:xfrm>
+        </p:spPr>
+        <p:txBody>
+          <a:bodyPr>
+            <a:normAutofit/>
+          </a:bodyPr>
+          <a:lstStyle/>
+          <a:p>
+            <a:r>
+              <a:rPr lang="en-US" sz="3200" dirty="0" smtClean="0"/>
+              <a:t>An online </a:t>
+            </a:r>
+            <a:r>
+              <a:rPr lang="en-US" sz="3200" dirty="0"/>
+              <a:t>web application which </a:t>
+            </a:r>
+            <a:r>
+              <a:rPr lang="en-US" sz="3200" dirty="0" smtClean="0"/>
+              <a:t>provides ability</a:t>
+            </a:r>
+          </a:p>
+          <a:p>
+            <a:pPr lvl="1"/>
+            <a:r>
+              <a:rPr lang="en-US" sz="2800" dirty="0" smtClean="0"/>
+              <a:t>To view/search flights and make a booking </a:t>
+            </a:r>
+            <a:r>
+              <a:rPr lang="en-US" sz="2800" dirty="0"/>
+              <a:t>for a </a:t>
+            </a:r>
+            <a:r>
+              <a:rPr lang="en-US" sz="2800" dirty="0" smtClean="0"/>
+              <a:t>flight. </a:t>
+            </a:r>
+          </a:p>
+          <a:p>
+            <a:pPr lvl="1"/>
+            <a:r>
+              <a:rPr lang="en-US" sz="3200" dirty="0" smtClean="0"/>
+              <a:t>To </a:t>
+            </a:r>
+            <a:r>
+              <a:rPr lang="en-US" sz="3200" dirty="0"/>
+              <a:t>view </a:t>
+            </a:r>
+            <a:r>
+              <a:rPr lang="en-US" sz="3200" dirty="0" smtClean="0"/>
+              <a:t>booking</a:t>
+            </a:r>
+          </a:p>
+          <a:p>
+            <a:r>
+              <a:rPr lang="en-US" sz="3200" dirty="0" smtClean="0"/>
+              <a:t>Back-office features - provided for authorized person for </a:t>
+            </a:r>
+            <a:r>
+              <a:rPr lang="en-US" sz="3200" dirty="0"/>
+              <a:t>system administration </a:t>
+            </a:r>
+            <a:r>
+              <a:rPr lang="en-US" sz="3200" dirty="0" smtClean="0"/>
+              <a:t>purpose</a:t>
+            </a:r>
+            <a:endParaRPr lang="en-US" sz="3200" dirty="0"/>
+          </a:p>
+          <a:p>
+            <a:endParaRPr lang="en-US" sz="3200" dirty="0"/>
+          </a:p>
+        </p:txBody>
+      </p:sp>
+    </p:spTree>
+    <p:extLst>
+      <p:ext uri="{BB962C8B-B14F-4D97-AF65-F5344CB8AC3E}">
+        <p14:creationId xmlns:p14="http://schemas.microsoft.com/office/powerpoint/2010/main" val="584725072"/>
+      </p:ext>
+    </p:extLst>
+  </p:cSld>
+  <p:clrMapOvr>
+    <a:masterClrMapping/>
+  </p:clrMapOvr>
+</p:sld>
+</file>
+
+<file path=ppt/slides/slide5.xml><?xml version="1.0" encoding="utf-8"?>
+<p:sld xmlns:a="http://schemas.openxmlformats.org/drawingml/2006/main" xmlns:r="http://schemas.openxmlformats.org/officeDocument/2006/relationships" xmlns:p="http://schemas.openxmlformats.org/presentationml/2006/main">
+  <p:cSld>
+    <p:spTree>
+      <p:nvGrpSpPr>
+        <p:cNvPr id="1" name=""/>
+        <p:cNvGrpSpPr/>
+        <p:nvPr/>
+      </p:nvGrpSpPr>
+      <p:grpSpPr>
+        <a:xfrm>
+          <a:off x="0" y="0"/>
+          <a:ext cx="0" cy="0"/>
+          <a:chOff x="0" y="0"/>
+          <a:chExt cx="0" cy="0"/>
+        </a:xfrm>
+      </p:grpSpPr>
+      <p:sp>
+        <p:nvSpPr>
+          <p:cNvPr id="2" name="Title 1">
+            <a:extLst>
+              <a:ext uri="{FF2B5EF4-FFF2-40B4-BE49-F238E27FC236}">
+                <a16:creationId xmlns:a16="http://schemas.microsoft.com/office/drawing/2014/main" xmlns="" id="{C93179FA-8E2F-449F-A964-7E7BC2DF2DFC}"/>
+              </a:ext>
+            </a:extLst>
+          </p:cNvPr>
+          <p:cNvSpPr>
+            <a:spLocks noGrp="1"/>
+          </p:cNvSpPr>
+          <p:nvPr>
+            <p:ph type="title"/>
+          </p:nvPr>
+        </p:nvSpPr>
+        <p:spPr>
+          <a:xfrm>
+            <a:off x="1141413" y="618519"/>
+            <a:ext cx="9905998" cy="1024752"/>
+          </a:xfrm>
+        </p:spPr>
+        <p:txBody>
+          <a:bodyPr/>
+          <a:lstStyle/>
+          <a:p>
+            <a:r>
               <a:rPr lang="en-US" dirty="0" smtClean="0"/>
               <a:t>Main Use </a:t>
             </a:r>
@@ -13292,14 +13572,14 @@
             <p:ph idx="1"/>
             <p:extLst>
               <p:ext uri="{D42A27DB-BD31-4B8C-83A1-F6EECF244321}">
-                <p14:modId xmlns:p14="http://schemas.microsoft.com/office/powerpoint/2010/main" val="1671963121"/>
+                <p14:modId xmlns:p14="http://schemas.microsoft.com/office/powerpoint/2010/main" val="106032899"/>
               </p:ext>
             </p:extLst>
           </p:nvPr>
         </p:nvGraphicFramePr>
         <p:xfrm>
           <a:off x="887896" y="1643062"/>
-          <a:ext cx="10522225" cy="3866449"/>
+          <a:ext cx="10522225" cy="4214026"/>
         </p:xfrm>
         <a:graphic>
           <a:graphicData uri="http://schemas.openxmlformats.org/drawingml/2006/table">
@@ -13804,7 +14084,15 @@
                       </a:pPr>
                       <a:r>
                         <a:rPr lang="en-US" sz="2400" dirty="0" smtClean="0"/>
-                        <a:t>Book ticket for a flight</a:t>
+                        <a:t>Create/View</a:t>
+                      </a:r>
+                      <a:r>
+                        <a:rPr lang="en-US" sz="2400" baseline="0" dirty="0" smtClean="0"/>
+                        <a:t> flight </a:t>
+                      </a:r>
+                      <a:r>
+                        <a:rPr lang="en-US" sz="2400" dirty="0" smtClean="0"/>
+                        <a:t>booking</a:t>
                       </a:r>
                       <a:endParaRPr lang="en-US" sz="2400" dirty="0"/>
                     </a:p>
@@ -13882,7 +14170,7 @@
                       </a:pPr>
                       <a:r>
                         <a:rPr lang="en-US" sz="2400" dirty="0" smtClean="0"/>
-                        <a:t>Online chat support</a:t>
+                        <a:t>Online customer chat support</a:t>
                       </a:r>
                       <a:endParaRPr lang="en-US" sz="2400" dirty="0"/>
                     </a:p>
@@ -13962,7 +14250,7 @@
                       </a:pPr>
                       <a:r>
                         <a:rPr lang="en-US" sz="2400" dirty="0" smtClean="0"/>
-                        <a:t>Log user in/out</a:t>
+                        <a:t>Log in/out for back-end portal (admin)</a:t>
                       </a:r>
                       <a:endParaRPr lang="en-US" sz="2400" dirty="0"/>
                     </a:p>
@@ -13996,137 +14284,6 @@
     <p:extLst>
       <p:ext uri="{BB962C8B-B14F-4D97-AF65-F5344CB8AC3E}">
         <p14:creationId xmlns:p14="http://schemas.microsoft.com/office/powerpoint/2010/main" val="1268093185"/>
-      </p:ext>
-    </p:extLst>
-  </p:cSld>
-  <p:clrMapOvr>
-    <a:masterClrMapping/>
-  </p:clrMapOvr>
-</p:sld>
-</file>
-
-<file path=ppt/slides/slide5.xml><?xml version="1.0" encoding="utf-8"?>
-<p:sld xmlns:a="http://schemas.openxmlformats.org/drawingml/2006/main" xmlns:r="http://schemas.openxmlformats.org/officeDocument/2006/relationships" xmlns:p="http://schemas.openxmlformats.org/presentationml/2006/main">
-  <p:cSld>
-    <p:spTree>
-      <p:nvGrpSpPr>
-        <p:cNvPr id="1" name=""/>
-        <p:cNvGrpSpPr/>
-        <p:nvPr/>
-      </p:nvGrpSpPr>
-      <p:grpSpPr>
-        <a:xfrm>
-          <a:off x="0" y="0"/>
-          <a:ext cx="0" cy="0"/>
-          <a:chOff x="0" y="0"/>
-          <a:chExt cx="0" cy="0"/>
-        </a:xfrm>
-      </p:grpSpPr>
-      <p:sp>
-        <p:nvSpPr>
-          <p:cNvPr id="2" name="Title 1">
-            <a:extLst>
-              <a:ext uri="{FF2B5EF4-FFF2-40B4-BE49-F238E27FC236}">
-                <a16:creationId xmlns:a16="http://schemas.microsoft.com/office/drawing/2014/main" xmlns="" id="{C93179FA-8E2F-449F-A964-7E7BC2DF2DFC}"/>
-              </a:ext>
-            </a:extLst>
-          </p:cNvPr>
-          <p:cNvSpPr>
-            <a:spLocks noGrp="1"/>
-          </p:cNvSpPr>
-          <p:nvPr>
-            <p:ph type="title"/>
-          </p:nvPr>
-        </p:nvSpPr>
-        <p:spPr>
-          <a:xfrm>
-            <a:off x="1141413" y="618519"/>
-            <a:ext cx="9905998" cy="1024752"/>
-          </a:xfrm>
-        </p:spPr>
-        <p:txBody>
-          <a:bodyPr/>
-          <a:lstStyle/>
-          <a:p>
-            <a:r>
-              <a:rPr lang="en-US" dirty="0"/>
-              <a:t>Static model</a:t>
-            </a:r>
-          </a:p>
-        </p:txBody>
-      </p:sp>
-      <p:sp>
-        <p:nvSpPr>
-          <p:cNvPr id="3" name="Content Placeholder 2">
-            <a:extLst>
-              <a:ext uri="{FF2B5EF4-FFF2-40B4-BE49-F238E27FC236}">
-                <a16:creationId xmlns:a16="http://schemas.microsoft.com/office/drawing/2014/main" xmlns="" id="{95861D30-D862-4D1A-8629-627C31FF42C4}"/>
-              </a:ext>
-            </a:extLst>
-          </p:cNvPr>
-          <p:cNvSpPr>
-            <a:spLocks noGrp="1"/>
-          </p:cNvSpPr>
-          <p:nvPr>
-            <p:ph idx="1"/>
-          </p:nvPr>
-        </p:nvSpPr>
-        <p:spPr>
-          <a:xfrm>
-            <a:off x="1141412" y="1643271"/>
-            <a:ext cx="9905999" cy="4147930"/>
-          </a:xfrm>
-        </p:spPr>
-        <p:txBody>
-          <a:bodyPr>
-            <a:normAutofit/>
-          </a:bodyPr>
-          <a:lstStyle/>
-          <a:p>
-            <a:endParaRPr lang="en-US" sz="2800" dirty="0"/>
-          </a:p>
-          <a:p>
-            <a:endParaRPr lang="en-US" sz="2800" dirty="0"/>
-          </a:p>
-          <a:p>
-            <a:endParaRPr lang="en-US" sz="2800" dirty="0"/>
-          </a:p>
-        </p:txBody>
-      </p:sp>
-      <p:pic>
-        <p:nvPicPr>
-          <p:cNvPr id="5" name="Picture 4"/>
-          <p:cNvPicPr>
-            <a:picLocks noChangeAspect="1"/>
-          </p:cNvPicPr>
-          <p:nvPr/>
-        </p:nvPicPr>
-        <p:blipFill>
-          <a:blip r:embed="rId2">
-            <a:extLst>
-              <a:ext uri="{28A0092B-C50C-407E-A947-70E740481C1C}">
-                <a14:useLocalDpi xmlns:a14="http://schemas.microsoft.com/office/drawing/2010/main" val="0"/>
-              </a:ext>
-            </a:extLst>
-          </a:blip>
-          <a:stretch>
-            <a:fillRect/>
-          </a:stretch>
-        </p:blipFill>
-        <p:spPr>
-          <a:xfrm>
-            <a:off x="1953711" y="1431838"/>
-            <a:ext cx="7387059" cy="5212036"/>
-          </a:xfrm>
-          <a:prstGeom prst="rect">
-            <a:avLst/>
-          </a:prstGeom>
-        </p:spPr>
-      </p:pic>
-    </p:spTree>
-    <p:extLst>
-      <p:ext uri="{BB962C8B-B14F-4D97-AF65-F5344CB8AC3E}">
-        <p14:creationId xmlns:p14="http://schemas.microsoft.com/office/powerpoint/2010/main" val="412277805"/>
       </p:ext>
     </p:extLst>
   </p:cSld>
@@ -14181,7 +14338,7 @@
           <a:p>
             <a:r>
               <a:rPr lang="en-US" dirty="0"/>
-              <a:t>Technologies used</a:t>
+              <a:t>Static model</a:t>
             </a:r>
           </a:p>
         </p:txBody>
@@ -14204,194 +14361,60 @@
         </p:nvSpPr>
         <p:spPr>
           <a:xfrm>
-            <a:off x="1141412" y="1643270"/>
-            <a:ext cx="9905999" cy="4989023"/>
+            <a:off x="1141412" y="1643271"/>
+            <a:ext cx="9905999" cy="4147930"/>
           </a:xfrm>
         </p:spPr>
         <p:txBody>
           <a:bodyPr>
-            <a:noAutofit/>
+            <a:normAutofit/>
           </a:bodyPr>
           <a:lstStyle/>
           <a:p>
-            <a:pPr lvl="1"/>
-            <a:r>
-              <a:rPr lang="en-US" sz="1600" dirty="0" smtClean="0">
-                <a:effectLst/>
-              </a:rPr>
-              <a:t>Annotation </a:t>
-            </a:r>
-            <a:endParaRPr lang="en-US" sz="1600" dirty="0">
-              <a:effectLst/>
-            </a:endParaRPr>
-          </a:p>
-          <a:p>
-            <a:pPr lvl="1"/>
-            <a:r>
-              <a:rPr lang="en-US" sz="1600" dirty="0">
-                <a:effectLst/>
-              </a:rPr>
-              <a:t>Data binding</a:t>
-            </a:r>
-          </a:p>
-          <a:p>
-            <a:pPr lvl="1"/>
-            <a:r>
-              <a:rPr lang="en-US" sz="1600" dirty="0">
-                <a:effectLst/>
-              </a:rPr>
-              <a:t>Validation; Custom Validation</a:t>
-            </a:r>
-          </a:p>
-          <a:p>
-            <a:pPr lvl="1"/>
-            <a:r>
-              <a:rPr lang="en-US" sz="1600" dirty="0">
-                <a:effectLst/>
-              </a:rPr>
-              <a:t>Custom Formatter</a:t>
-            </a:r>
-          </a:p>
-          <a:p>
-            <a:pPr lvl="1"/>
-            <a:r>
-              <a:rPr lang="en-US" sz="1600" dirty="0">
-                <a:effectLst/>
-              </a:rPr>
-              <a:t>Uploading files -&gt; Chua lam</a:t>
-            </a:r>
-          </a:p>
-          <a:p>
-            <a:pPr lvl="1"/>
-            <a:r>
-              <a:rPr lang="en-US" sz="1600" dirty="0">
-                <a:effectLst/>
-              </a:rPr>
-              <a:t>Internationalization</a:t>
-            </a:r>
-          </a:p>
-          <a:p>
-            <a:pPr lvl="1"/>
-            <a:r>
-              <a:rPr lang="en-US" sz="1600" dirty="0">
-                <a:effectLst/>
-              </a:rPr>
-              <a:t>Exception Handling</a:t>
-            </a:r>
-          </a:p>
-          <a:p>
-            <a:pPr lvl="1"/>
-            <a:r>
-              <a:rPr lang="en-US" sz="1600" dirty="0">
-                <a:effectLst/>
-              </a:rPr>
-              <a:t>REST/Ajax two way; error handling </a:t>
-            </a:r>
-            <a:r>
-              <a:rPr lang="en-US" sz="1600" dirty="0">
-                <a:effectLst/>
-                <a:sym typeface="Wingdings" charset="2"/>
-              </a:rPr>
-              <a:t></a:t>
-            </a:r>
-            <a:r>
-              <a:rPr lang="en-US" sz="1600" dirty="0">
-                <a:effectLst/>
-              </a:rPr>
-              <a:t> Chua lam</a:t>
-            </a:r>
-          </a:p>
-          <a:p>
-            <a:pPr lvl="1"/>
-            <a:r>
-              <a:rPr lang="en-US" sz="1600" dirty="0">
-                <a:effectLst/>
-              </a:rPr>
-              <a:t>Security ; Login, Authorization</a:t>
-            </a:r>
-          </a:p>
-          <a:p>
-            <a:pPr lvl="1"/>
-            <a:r>
-              <a:rPr lang="en-US" sz="1600" dirty="0">
-                <a:effectLst/>
-              </a:rPr>
-              <a:t>Web Sockets</a:t>
-            </a:r>
-          </a:p>
-          <a:p>
-            <a:pPr lvl="1"/>
-            <a:r>
-              <a:rPr lang="en-US" sz="1600" dirty="0">
-                <a:effectLst/>
-              </a:rPr>
-              <a:t>Web Flow</a:t>
-            </a:r>
-          </a:p>
-          <a:p>
-            <a:pPr lvl="1"/>
-            <a:r>
-              <a:rPr lang="en-US" sz="1600" dirty="0" smtClean="0">
-                <a:effectLst/>
-              </a:rPr>
-              <a:t>Tiles</a:t>
-            </a:r>
-            <a:endParaRPr lang="en-US" sz="1600" dirty="0">
-              <a:effectLst/>
-            </a:endParaRPr>
-          </a:p>
-          <a:p>
-            <a:pPr lvl="1"/>
-            <a:r>
-              <a:rPr lang="en-US" sz="1600" dirty="0">
-                <a:effectLst/>
-              </a:rPr>
-              <a:t>Persistence in database [</a:t>
-            </a:r>
-            <a:r>
-              <a:rPr lang="en-US" sz="1600" dirty="0" smtClean="0">
-                <a:effectLst/>
-              </a:rPr>
-              <a:t>JPA]</a:t>
-            </a:r>
-            <a:endParaRPr lang="en-US" sz="1600" dirty="0"/>
-          </a:p>
-          <a:p>
-            <a:pPr lvl="1"/>
-            <a:r>
-              <a:rPr lang="en-US" sz="1600" dirty="0">
-                <a:effectLst/>
-              </a:rPr>
-              <a:t>DB</a:t>
-            </a:r>
-            <a:r>
-              <a:rPr lang="en-US" sz="1600" dirty="0">
-                <a:effectLst/>
-              </a:rPr>
-              <a:t>: </a:t>
-            </a:r>
-            <a:r>
-              <a:rPr lang="en-US" sz="1600" dirty="0">
-                <a:effectLst/>
-              </a:rPr>
-              <a:t>MySQL</a:t>
-            </a:r>
-            <a:endParaRPr lang="en-US" sz="1600" dirty="0">
-              <a:effectLst/>
-            </a:endParaRPr>
-          </a:p>
-          <a:p>
-            <a:endParaRPr lang="en-US" sz="3200" dirty="0"/>
-          </a:p>
-          <a:p>
-            <a:endParaRPr lang="en-US" sz="3200" dirty="0"/>
+            <a:endParaRPr lang="en-US" sz="2800" dirty="0"/>
+          </a:p>
+          <a:p>
+            <a:endParaRPr lang="en-US" sz="2800" dirty="0"/>
+          </a:p>
+          <a:p>
+            <a:endParaRPr lang="en-US" sz="2800" dirty="0"/>
           </a:p>
         </p:txBody>
       </p:sp>
+      <p:pic>
+        <p:nvPicPr>
+          <p:cNvPr id="5" name="Picture 4"/>
+          <p:cNvPicPr>
+            <a:picLocks noChangeAspect="1"/>
+          </p:cNvPicPr>
+          <p:nvPr/>
+        </p:nvPicPr>
+        <p:blipFill>
+          <a:blip r:embed="rId2">
+            <a:extLst>
+              <a:ext uri="{28A0092B-C50C-407E-A947-70E740481C1C}">
+                <a14:useLocalDpi xmlns:a14="http://schemas.microsoft.com/office/drawing/2010/main" val="0"/>
+              </a:ext>
+            </a:extLst>
+          </a:blip>
+          <a:stretch>
+            <a:fillRect/>
+          </a:stretch>
+        </p:blipFill>
+        <p:spPr>
+          <a:xfrm>
+            <a:off x="1953711" y="1431838"/>
+            <a:ext cx="7387059" cy="5212036"/>
+          </a:xfrm>
+          <a:prstGeom prst="rect">
+            <a:avLst/>
+          </a:prstGeom>
+        </p:spPr>
+      </p:pic>
     </p:spTree>
     <p:extLst>
       <p:ext uri="{BB962C8B-B14F-4D97-AF65-F5344CB8AC3E}">
-        <p14:creationId xmlns:p14="http://schemas.microsoft.com/office/powerpoint/2010/main" val="3350333468"/>
+        <p14:creationId xmlns:p14="http://schemas.microsoft.com/office/powerpoint/2010/main" val="412277805"/>
       </p:ext>
     </p:extLst>
   </p:cSld>
@@ -14446,9 +14469,8 @@
           <a:p>
             <a:r>
               <a:rPr lang="en-US" dirty="0"/>
-              <a:t>Future Extension</a:t>
-            </a:r>
-            <a:endParaRPr lang="en-US" dirty="0"/>
+              <a:t>Technologies used</a:t>
+            </a:r>
           </a:p>
         </p:txBody>
       </p:sp>
@@ -14470,76 +14492,171 @@
         </p:nvSpPr>
         <p:spPr>
           <a:xfrm>
-            <a:off x="1141412" y="1643271"/>
-            <a:ext cx="9905999" cy="4412972"/>
+            <a:off x="1141412" y="1643270"/>
+            <a:ext cx="9905999" cy="4989023"/>
           </a:xfrm>
         </p:spPr>
         <p:txBody>
           <a:bodyPr>
-            <a:normAutofit fontScale="92500" lnSpcReduction="10000"/>
+            <a:normAutofit/>
           </a:bodyPr>
           <a:lstStyle/>
           <a:p>
-            <a:r>
-              <a:rPr lang="en-US" sz="3200" dirty="0"/>
-              <a:t> Business Domain:</a:t>
-            </a:r>
-          </a:p>
-          <a:p>
             <a:pPr lvl="1"/>
             <a:r>
-              <a:rPr lang="en-US" sz="2800" dirty="0" smtClean="0"/>
-              <a:t>Customer register</a:t>
-            </a:r>
-            <a:endParaRPr lang="en-US" sz="2800" dirty="0"/>
+              <a:rPr lang="en-US" sz="1600" dirty="0" smtClean="0">
+                <a:effectLst/>
+              </a:rPr>
+              <a:t>Annotation </a:t>
+            </a:r>
+            <a:endParaRPr lang="en-US" sz="1600" dirty="0">
+              <a:effectLst/>
+            </a:endParaRPr>
           </a:p>
           <a:p>
             <a:pPr lvl="1"/>
             <a:r>
-              <a:rPr lang="en-US" sz="2800" dirty="0" smtClean="0"/>
-              <a:t>Email booking</a:t>
+              <a:rPr lang="en-US" sz="1600" dirty="0">
+                <a:effectLst/>
+              </a:rPr>
+              <a:t>Data binding</a:t>
             </a:r>
           </a:p>
           <a:p>
             <a:pPr lvl="1"/>
             <a:r>
-              <a:rPr lang="en-US" sz="2800" dirty="0" smtClean="0"/>
-              <a:t>Payment</a:t>
-            </a:r>
-            <a:endParaRPr lang="en-US" sz="2800" dirty="0"/>
-          </a:p>
-          <a:p>
-            <a:r>
-              <a:rPr lang="en-US" sz="3200" dirty="0"/>
-              <a:t> Technologies:</a:t>
+              <a:rPr lang="en-US" sz="1600" dirty="0">
+                <a:effectLst/>
+              </a:rPr>
+              <a:t>Validation; Custom Validation</a:t>
             </a:r>
           </a:p>
           <a:p>
             <a:pPr lvl="1"/>
             <a:r>
-              <a:rPr lang="en-US" sz="2800" dirty="0"/>
-              <a:t> Advanced Search</a:t>
-            </a:r>
-            <a:r>
-              <a:rPr lang="en-US" sz="2800" dirty="0" smtClean="0"/>
-              <a:t>, </a:t>
-            </a:r>
-            <a:r>
-              <a:rPr lang="en-US" sz="2800" dirty="0"/>
-              <a:t>Mobile app</a:t>
+              <a:rPr lang="en-US" sz="1600" dirty="0">
+                <a:effectLst/>
+              </a:rPr>
+              <a:t>Custom Formatter</a:t>
             </a:r>
           </a:p>
           <a:p>
             <a:pPr lvl="1"/>
             <a:r>
-              <a:rPr lang="en-US" sz="2800" dirty="0"/>
-              <a:t> Spring Cloud and Microservices: distributed config, service discovery, routing &amp; load balancing, </a:t>
-            </a:r>
-            <a:r>
-              <a:rPr lang="en-US" sz="2800" dirty="0" err="1"/>
-              <a:t>etc</a:t>
-            </a:r>
-            <a:endParaRPr lang="en-US" sz="2800" dirty="0"/>
+              <a:rPr lang="en-US" sz="1600" dirty="0" smtClean="0">
+                <a:effectLst/>
+              </a:rPr>
+              <a:t>Internationalization</a:t>
+            </a:r>
+            <a:endParaRPr lang="en-US" sz="1600" dirty="0">
+              <a:effectLst/>
+            </a:endParaRPr>
+          </a:p>
+          <a:p>
+            <a:pPr lvl="1"/>
+            <a:r>
+              <a:rPr lang="en-US" sz="1600" dirty="0">
+                <a:effectLst/>
+              </a:rPr>
+              <a:t>Exception Handling</a:t>
+            </a:r>
+          </a:p>
+          <a:p>
+            <a:pPr lvl="1"/>
+            <a:r>
+              <a:rPr lang="en-US" sz="1600" dirty="0">
+                <a:effectLst/>
+              </a:rPr>
+              <a:t>REST/Ajax two way; error </a:t>
+            </a:r>
+            <a:r>
+              <a:rPr lang="en-US" sz="1600" dirty="0" smtClean="0">
+                <a:effectLst/>
+              </a:rPr>
+              <a:t>handling</a:t>
+            </a:r>
+            <a:endParaRPr lang="en-US" sz="1600" dirty="0">
+              <a:effectLst/>
+            </a:endParaRPr>
+          </a:p>
+          <a:p>
+            <a:pPr lvl="1"/>
+            <a:r>
+              <a:rPr lang="en-US" sz="1600" dirty="0">
+                <a:effectLst/>
+              </a:rPr>
+              <a:t>Security ; Login, Authorization</a:t>
+            </a:r>
+          </a:p>
+          <a:p>
+            <a:pPr lvl="1"/>
+            <a:r>
+              <a:rPr lang="en-US" sz="1600" dirty="0">
+                <a:effectLst/>
+              </a:rPr>
+              <a:t>Web Sockets</a:t>
+            </a:r>
+          </a:p>
+          <a:p>
+            <a:pPr lvl="1"/>
+            <a:r>
+              <a:rPr lang="en-US" sz="1600" dirty="0">
+                <a:effectLst/>
+              </a:rPr>
+              <a:t>Web Flow</a:t>
+            </a:r>
+          </a:p>
+          <a:p>
+            <a:pPr lvl="1"/>
+            <a:r>
+              <a:rPr lang="en-US" sz="1600" dirty="0" smtClean="0">
+                <a:effectLst/>
+              </a:rPr>
+              <a:t>Tiles</a:t>
+            </a:r>
+            <a:endParaRPr lang="en-US" sz="1600" dirty="0">
+              <a:effectLst/>
+            </a:endParaRPr>
+          </a:p>
+          <a:p>
+            <a:pPr lvl="1"/>
+            <a:r>
+              <a:rPr lang="en-US" sz="1600" dirty="0">
+                <a:effectLst/>
+              </a:rPr>
+              <a:t>Persistence in database [</a:t>
+            </a:r>
+            <a:r>
+              <a:rPr lang="en-US" sz="1600" dirty="0" smtClean="0">
+                <a:effectLst/>
+              </a:rPr>
+              <a:t>JPA]</a:t>
+            </a:r>
+            <a:endParaRPr lang="en-US" sz="1600" dirty="0"/>
+          </a:p>
+          <a:p>
+            <a:pPr lvl="1"/>
+            <a:r>
+              <a:rPr lang="en-US" sz="1600" dirty="0">
+                <a:effectLst/>
+              </a:rPr>
+              <a:t>DB</a:t>
+            </a:r>
+            <a:r>
+              <a:rPr lang="en-US" sz="1600" dirty="0">
+                <a:effectLst/>
+              </a:rPr>
+              <a:t>: </a:t>
+            </a:r>
+            <a:r>
+              <a:rPr lang="en-US" sz="1600" dirty="0">
+                <a:effectLst/>
+              </a:rPr>
+              <a:t>MySQL</a:t>
+            </a:r>
+            <a:endParaRPr lang="en-US" sz="1600" dirty="0">
+              <a:effectLst/>
+            </a:endParaRPr>
           </a:p>
           <a:p>
             <a:endParaRPr lang="en-US" sz="3200" dirty="0"/>
@@ -14552,7 +14669,7 @@
     </p:spTree>
     <p:extLst>
       <p:ext uri="{BB962C8B-B14F-4D97-AF65-F5344CB8AC3E}">
-        <p14:creationId xmlns:p14="http://schemas.microsoft.com/office/powerpoint/2010/main" val="2336606075"/>
+        <p14:creationId xmlns:p14="http://schemas.microsoft.com/office/powerpoint/2010/main" val="3350333468"/>
       </p:ext>
     </p:extLst>
   </p:cSld>
@@ -14607,8 +14724,9 @@
           <a:p>
             <a:r>
               <a:rPr lang="en-US" dirty="0"/>
-              <a:t>SCI</a:t>
-            </a:r>
+              <a:t>Future Extension</a:t>
+            </a:r>
+            <a:endParaRPr lang="en-US" dirty="0"/>
           </a:p>
         </p:txBody>
       </p:sp>
@@ -14636,49 +14754,90 @@
         </p:spPr>
         <p:txBody>
           <a:bodyPr>
-            <a:normAutofit/>
+            <a:normAutofit fontScale="92500" lnSpcReduction="20000"/>
           </a:bodyPr>
           <a:lstStyle/>
           <a:p>
-            <a:endParaRPr lang="en-US" sz="4000" dirty="0"/>
-          </a:p>
-          <a:p>
-            <a:pPr marL="0" indent="0">
-              <a:buNone/>
-            </a:pPr>
-            <a:r>
-              <a:rPr lang="en-US" sz="4000" dirty="0"/>
-              <a:t>          </a:t>
-            </a:r>
-            <a:r>
-              <a:rPr lang="en-US" sz="4400" i="1" dirty="0"/>
-              <a:t>“Do less and accomplish more”</a:t>
-            </a:r>
-          </a:p>
-          <a:p>
-            <a:pPr marL="0" indent="0">
-              <a:buNone/>
-            </a:pPr>
-            <a:r>
-              <a:rPr lang="en-US" sz="4000" dirty="0"/>
-              <a:t>What we studied in this course is the same as the above quote.</a:t>
-            </a:r>
-          </a:p>
-          <a:p>
-            <a:endParaRPr lang="en-US" sz="4000" i="1" dirty="0"/>
-          </a:p>
-          <a:p>
-            <a:endParaRPr lang="en-US" sz="4000" dirty="0"/>
-          </a:p>
-          <a:p>
-            <a:endParaRPr lang="en-US" sz="4000" dirty="0"/>
+            <a:r>
+              <a:rPr lang="en-US" sz="3200" dirty="0"/>
+              <a:t> Business Domain:</a:t>
+            </a:r>
+          </a:p>
+          <a:p>
+            <a:pPr lvl="1"/>
+            <a:r>
+              <a:rPr lang="en-US" sz="2800" dirty="0" smtClean="0"/>
+              <a:t>Customer registration</a:t>
+            </a:r>
+            <a:endParaRPr lang="en-US" sz="2800" dirty="0"/>
+          </a:p>
+          <a:p>
+            <a:pPr lvl="1"/>
+            <a:r>
+              <a:rPr lang="en-US" sz="2800" dirty="0" smtClean="0"/>
+              <a:t>Email booking</a:t>
+            </a:r>
+          </a:p>
+          <a:p>
+            <a:pPr lvl="1"/>
+            <a:r>
+              <a:rPr lang="en-US" sz="2800" dirty="0" smtClean="0"/>
+              <a:t>Payment</a:t>
+            </a:r>
+            <a:endParaRPr lang="en-US" sz="2800" dirty="0"/>
+          </a:p>
+          <a:p>
+            <a:r>
+              <a:rPr lang="en-US" sz="3200" dirty="0"/>
+              <a:t> Technologies:</a:t>
+            </a:r>
+          </a:p>
+          <a:p>
+            <a:pPr lvl="1"/>
+            <a:r>
+              <a:rPr lang="en-US" sz="2800" dirty="0" smtClean="0"/>
+              <a:t>Advanced Search</a:t>
+            </a:r>
+          </a:p>
+          <a:p>
+            <a:pPr lvl="1"/>
+            <a:r>
+              <a:rPr lang="en-US" sz="2800" dirty="0" smtClean="0"/>
+              <a:t>Mobile </a:t>
+            </a:r>
+            <a:r>
+              <a:rPr lang="en-US" sz="2800" dirty="0"/>
+              <a:t>app</a:t>
+            </a:r>
+          </a:p>
+          <a:p>
+            <a:pPr lvl="1"/>
+            <a:r>
+              <a:rPr lang="en-US" sz="2800" dirty="0" smtClean="0"/>
+              <a:t>Spring </a:t>
+            </a:r>
+            <a:r>
+              <a:rPr lang="en-US" sz="2800" dirty="0"/>
+              <a:t>Cloud and Microservices: distributed config, service discovery, routing &amp; load balancing, </a:t>
+            </a:r>
+            <a:r>
+              <a:rPr lang="en-US" sz="2800" dirty="0" err="1"/>
+              <a:t>etc</a:t>
+            </a:r>
+            <a:endParaRPr lang="en-US" sz="2800" dirty="0"/>
+          </a:p>
+          <a:p>
+            <a:endParaRPr lang="en-US" sz="3200" dirty="0"/>
+          </a:p>
+          <a:p>
+            <a:endParaRPr lang="en-US" sz="3200" dirty="0"/>
           </a:p>
         </p:txBody>
       </p:sp>
     </p:spTree>
     <p:extLst>
       <p:ext uri="{BB962C8B-B14F-4D97-AF65-F5344CB8AC3E}">
-        <p14:creationId xmlns:p14="http://schemas.microsoft.com/office/powerpoint/2010/main" val="2880210075"/>
+        <p14:creationId xmlns:p14="http://schemas.microsoft.com/office/powerpoint/2010/main" val="2336606075"/>
       </p:ext>
     </p:extLst>
   </p:cSld>
@@ -14733,7 +14892,7 @@
           <a:p>
             <a:r>
               <a:rPr lang="en-US" dirty="0"/>
-              <a:t>Demo</a:t>
+              <a:t>SCI</a:t>
             </a:r>
           </a:p>
         </p:txBody>
@@ -14757,7 +14916,7 @@
         <p:spPr>
           <a:xfrm>
             <a:off x="1141412" y="1643271"/>
-            <a:ext cx="9905999" cy="4147930"/>
+            <a:ext cx="9905999" cy="4412972"/>
           </a:xfrm>
         </p:spPr>
         <p:txBody>
@@ -14766,23 +14925,45 @@
           </a:bodyPr>
           <a:lstStyle/>
           <a:p>
-            <a:r>
-              <a:rPr lang="en-US" sz="2800" dirty="0"/>
-              <a:t> Q&amp;A</a:t>
-            </a:r>
-          </a:p>
-          <a:p>
-            <a:endParaRPr lang="en-US" sz="2800" dirty="0"/>
-          </a:p>
-          <a:p>
-            <a:endParaRPr lang="en-US" sz="2800" dirty="0"/>
+            <a:endParaRPr lang="en-US" sz="4000" dirty="0"/>
+          </a:p>
+          <a:p>
+            <a:pPr marL="0" indent="0">
+              <a:buNone/>
+            </a:pPr>
+            <a:r>
+              <a:rPr lang="en-US" sz="4000" dirty="0"/>
+              <a:t>          </a:t>
+            </a:r>
+            <a:r>
+              <a:rPr lang="en-US" sz="4400" i="1" dirty="0"/>
+              <a:t>“Do less and accomplish more”</a:t>
+            </a:r>
+          </a:p>
+          <a:p>
+            <a:pPr marL="0" indent="0">
+              <a:buNone/>
+            </a:pPr>
+            <a:r>
+              <a:rPr lang="en-US" sz="4000" dirty="0"/>
+              <a:t>What we studied in this course is the same as the above quote.</a:t>
+            </a:r>
+          </a:p>
+          <a:p>
+            <a:endParaRPr lang="en-US" sz="4000" i="1" dirty="0"/>
+          </a:p>
+          <a:p>
+            <a:endParaRPr lang="en-US" sz="4000" dirty="0"/>
+          </a:p>
+          <a:p>
+            <a:endParaRPr lang="en-US" sz="4000" dirty="0"/>
           </a:p>
         </p:txBody>
       </p:sp>
     </p:spTree>
     <p:extLst>
       <p:ext uri="{BB962C8B-B14F-4D97-AF65-F5344CB8AC3E}">
-        <p14:creationId xmlns:p14="http://schemas.microsoft.com/office/powerpoint/2010/main" val="2661886543"/>
+        <p14:creationId xmlns:p14="http://schemas.microsoft.com/office/powerpoint/2010/main" val="2880210075"/>
       </p:ext>
     </p:extLst>
   </p:cSld>

--- a/document/Saigonese-Flight-Management-System.pptx
+++ b/document/Saigonese-Flight-Management-System.pptx
@@ -13443,7 +13443,7 @@
             <a:pPr lvl="1"/>
             <a:r>
               <a:rPr lang="en-US" sz="2800" dirty="0" smtClean="0"/>
-              <a:t>To view/search flights and make a booking </a:t>
+              <a:t>To view flights and make a booking </a:t>
             </a:r>
             <a:r>
               <a:rPr lang="en-US" sz="2800" dirty="0"/>
@@ -14789,15 +14789,25 @@
           <a:p>
             <a:r>
               <a:rPr lang="en-US" sz="3200" dirty="0"/>
-              <a:t> Technologies:</a:t>
-            </a:r>
+              <a:t> </a:t>
+            </a:r>
+            <a:r>
+              <a:rPr lang="en-US" sz="3200" dirty="0" smtClean="0"/>
+              <a:t>Feature &amp; Technologies:</a:t>
+            </a:r>
+            <a:endParaRPr lang="en-US" sz="3200" dirty="0"/>
           </a:p>
           <a:p>
             <a:pPr lvl="1"/>
             <a:r>
               <a:rPr lang="en-US" sz="2800" dirty="0" smtClean="0"/>
-              <a:t>Advanced Search</a:t>
-            </a:r>
+              <a:t>Search and Advanced Search, multiple customer </a:t>
+            </a:r>
+            <a:r>
+              <a:rPr lang="en-US" sz="2800" smtClean="0"/>
+              <a:t>online support</a:t>
+            </a:r>
+            <a:endParaRPr lang="en-US" sz="2800" dirty="0" smtClean="0"/>
           </a:p>
           <a:p>
             <a:pPr lvl="1"/>

--- a/document/Saigonese-Flight-Management-System.pptx
+++ b/document/Saigonese-Flight-Management-System.pptx
@@ -12853,11 +12853,15 @@
           <a:p>
             <a:r>
               <a:rPr lang="en-US" dirty="0"/>
-              <a:t>	        Group </a:t>
-            </a:r>
-            <a:r>
-              <a:rPr lang="en-US" dirty="0" err="1" smtClean="0"/>
-              <a:t>Saigonese</a:t>
+              <a:t>	</a:t>
+            </a:r>
+            <a:r>
+              <a:rPr lang="en-US"/>
+              <a:t>        </a:t>
+            </a:r>
+            <a:r>
+              <a:rPr lang="en-US" smtClean="0"/>
+              <a:t>Team Saigonese</a:t>
             </a:r>
             <a:r>
               <a:rPr lang="en-US" dirty="0" smtClean="0"/>
@@ -14754,7 +14758,7 @@
         </p:spPr>
         <p:txBody>
           <a:bodyPr>
-            <a:normAutofit fontScale="92500" lnSpcReduction="20000"/>
+            <a:normAutofit fontScale="70000" lnSpcReduction="20000"/>
           </a:bodyPr>
           <a:lstStyle/>
           <a:p>
@@ -14775,8 +14779,35 @@
             <a:pPr lvl="1"/>
             <a:r>
               <a:rPr lang="en-US" sz="2800" dirty="0" smtClean="0"/>
-              <a:t>Email booking</a:t>
-            </a:r>
+              <a:t>Promotion</a:t>
+            </a:r>
+          </a:p>
+          <a:p>
+            <a:pPr lvl="1"/>
+            <a:r>
+              <a:rPr lang="en-US" sz="2800" dirty="0" smtClean="0"/>
+              <a:t>Multiple </a:t>
+            </a:r>
+            <a:r>
+              <a:rPr lang="en-US" sz="2800" dirty="0"/>
+              <a:t>customer online </a:t>
+            </a:r>
+            <a:r>
+              <a:rPr lang="en-US" sz="2800" dirty="0" smtClean="0"/>
+              <a:t>support</a:t>
+            </a:r>
+          </a:p>
+          <a:p>
+            <a:pPr lvl="1"/>
+            <a:r>
+              <a:rPr lang="en-US" sz="2800" dirty="0" smtClean="0"/>
+              <a:t>Online </a:t>
+            </a:r>
+            <a:r>
+              <a:rPr lang="en-US" sz="2800" dirty="0"/>
+              <a:t>checking</a:t>
+            </a:r>
+            <a:endParaRPr lang="en-US" sz="2800" dirty="0" smtClean="0"/>
           </a:p>
           <a:p>
             <a:pPr lvl="1"/>
@@ -14788,12 +14819,8 @@
           </a:p>
           <a:p>
             <a:r>
-              <a:rPr lang="en-US" sz="3200" dirty="0"/>
-              <a:t> </a:t>
-            </a:r>
-            <a:r>
               <a:rPr lang="en-US" sz="3200" dirty="0" smtClean="0"/>
-              <a:t>Feature &amp; Technologies:</a:t>
+              <a:t>Technologies:</a:t>
             </a:r>
             <a:endParaRPr lang="en-US" sz="3200" dirty="0"/>
           </a:p>
@@ -14801,13 +14828,8 @@
             <a:pPr lvl="1"/>
             <a:r>
               <a:rPr lang="en-US" sz="2800" dirty="0" smtClean="0"/>
-              <a:t>Search and Advanced Search, multiple customer </a:t>
-            </a:r>
-            <a:r>
-              <a:rPr lang="en-US" sz="2800" smtClean="0"/>
-              <a:t>online support</a:t>
-            </a:r>
-            <a:endParaRPr lang="en-US" sz="2800" dirty="0" smtClean="0"/>
+              <a:t>Search and Advanced Search</a:t>
+            </a:r>
           </a:p>
           <a:p>
             <a:pPr lvl="1"/>

--- a/document/Saigonese-Flight-Management-System.pptx
+++ b/document/Saigonese-Flight-Management-System.pptx
@@ -12853,15 +12853,15 @@
           <a:p>
             <a:r>
               <a:rPr lang="en-US" dirty="0"/>
-              <a:t>	</a:t>
-            </a:r>
-            <a:r>
-              <a:rPr lang="en-US"/>
-              <a:t>        </a:t>
-            </a:r>
-            <a:r>
-              <a:rPr lang="en-US" smtClean="0"/>
-              <a:t>Team Saigonese</a:t>
+              <a:t>	        </a:t>
+            </a:r>
+            <a:r>
+              <a:rPr lang="en-US" dirty="0" smtClean="0"/>
+              <a:t>Team </a:t>
+            </a:r>
+            <a:r>
+              <a:rPr lang="en-US" dirty="0" err="1" smtClean="0"/>
+              <a:t>Saigonese</a:t>
             </a:r>
             <a:r>
               <a:rPr lang="en-US" dirty="0" smtClean="0"/>
@@ -13274,7 +13274,7 @@
           <a:p>
             <a:r>
               <a:rPr lang="en-US" dirty="0" smtClean="0"/>
-              <a:t>Project</a:t>
+              <a:t>About</a:t>
             </a:r>
             <a:endParaRPr lang="en-US" dirty="0"/>
           </a:p>
@@ -13304,19 +13304,66 @@
         </p:spPr>
         <p:txBody>
           <a:bodyPr>
-            <a:normAutofit lnSpcReduction="10000"/>
+            <a:normAutofit fontScale="92500" lnSpcReduction="20000"/>
           </a:bodyPr>
           <a:lstStyle/>
           <a:p>
             <a:r>
               <a:rPr lang="en-US" sz="3200" dirty="0"/>
-              <a:t>Flight Management and Booking project, an engineering proof of concept. It is not a planned marketable project.</a:t>
-            </a:r>
+              <a:t>Flight Management and Booking </a:t>
+            </a:r>
+            <a:r>
+              <a:rPr lang="en-US" sz="3200" dirty="0" smtClean="0"/>
+              <a:t>project</a:t>
+            </a:r>
+          </a:p>
+          <a:p>
+            <a:pPr lvl="1"/>
+            <a:r>
+              <a:rPr lang="en-US" sz="2800" dirty="0" smtClean="0"/>
+              <a:t>An </a:t>
+            </a:r>
+            <a:r>
+              <a:rPr lang="en-US" sz="2800" dirty="0"/>
+              <a:t>engineering proof of </a:t>
+            </a:r>
+            <a:r>
+              <a:rPr lang="en-US" sz="2800" dirty="0" smtClean="0"/>
+              <a:t>concept</a:t>
+            </a:r>
+          </a:p>
+          <a:p>
+            <a:pPr lvl="1"/>
+            <a:r>
+              <a:rPr lang="en-US" sz="2800" dirty="0" smtClean="0"/>
+              <a:t>Not </a:t>
+            </a:r>
+            <a:r>
+              <a:rPr lang="en-US" sz="2800" dirty="0"/>
+              <a:t>a planned marketable </a:t>
+            </a:r>
+            <a:r>
+              <a:rPr lang="en-US" sz="2800" dirty="0" smtClean="0"/>
+              <a:t>project</a:t>
+            </a:r>
+            <a:endParaRPr lang="en-US" sz="2800" dirty="0"/>
           </a:p>
           <a:p>
             <a:r>
               <a:rPr lang="en-US" sz="3200" dirty="0"/>
-              <a:t>The goal is to exercise the Spring MVC technology according to the Web Application Architecture (WAA) course guidelines to validate its use in future projects.</a:t>
+              <a:t>The goal </a:t>
+            </a:r>
+            <a:r>
+              <a:rPr lang="en-US" sz="3200"/>
+              <a:t>is </a:t>
+            </a:r>
+            <a:r>
+              <a:rPr lang="en-US" sz="3200" smtClean="0"/>
+              <a:t>to </a:t>
+            </a:r>
+            <a:r>
+              <a:rPr lang="en-US" sz="3200" dirty="0"/>
+              <a:t>exercise the Spring MVC technology according to the Web Application Architecture (WAA) course guidelines to validate its use in future projects.</a:t>
             </a:r>
           </a:p>
           <a:p>

--- a/document/Saigonese-Flight-Management-System.pptx
+++ b/document/Saigonese-Flight-Management-System.pptx
@@ -12,9 +12,9 @@
     <p:sldId id="257" r:id="rId3"/>
     <p:sldId id="258" r:id="rId4"/>
     <p:sldId id="265" r:id="rId5"/>
-    <p:sldId id="261" r:id="rId6"/>
-    <p:sldId id="259" r:id="rId7"/>
-    <p:sldId id="260" r:id="rId8"/>
+    <p:sldId id="260" r:id="rId6"/>
+    <p:sldId id="261" r:id="rId7"/>
+    <p:sldId id="259" r:id="rId8"/>
     <p:sldId id="262" r:id="rId9"/>
     <p:sldId id="264" r:id="rId10"/>
     <p:sldId id="263" r:id="rId11"/>
@@ -13148,7 +13148,6 @@
               <a:rPr lang="en-US" sz="3200" dirty="0" smtClean="0"/>
               <a:t>Introduction</a:t>
             </a:r>
-            <a:endParaRPr lang="en-US" sz="3200" dirty="0"/>
           </a:p>
           <a:p>
             <a:pPr marL="742950" indent="-742950">
@@ -13156,13 +13155,10 @@
               <a:buAutoNum type="arabicPeriod"/>
             </a:pPr>
             <a:r>
-              <a:rPr lang="en-US" sz="3200" dirty="0" smtClean="0"/>
-              <a:t>Main Use </a:t>
-            </a:r>
-            <a:r>
               <a:rPr lang="en-US" sz="3200" dirty="0"/>
-              <a:t>Cases</a:t>
-            </a:r>
+              <a:t>Technologies Used</a:t>
+            </a:r>
+            <a:endParaRPr lang="en-US" sz="3200" dirty="0"/>
           </a:p>
           <a:p>
             <a:pPr marL="742950" indent="-742950">
@@ -13170,8 +13166,12 @@
               <a:buAutoNum type="arabicPeriod"/>
             </a:pPr>
             <a:r>
+              <a:rPr lang="en-US" sz="3200" dirty="0" smtClean="0"/>
+              <a:t>Main Use </a:t>
+            </a:r>
+            <a:r>
               <a:rPr lang="en-US" sz="3200" dirty="0"/>
-              <a:t>Static Model</a:t>
+              <a:t>Cases</a:t>
             </a:r>
           </a:p>
           <a:p>
@@ -13181,8 +13181,13 @@
             </a:pPr>
             <a:r>
               <a:rPr lang="en-US" sz="3200" dirty="0"/>
-              <a:t>Technologies Used</a:t>
-            </a:r>
+              <a:t>Static </a:t>
+            </a:r>
+            <a:r>
+              <a:rPr lang="en-US" sz="3200" dirty="0" smtClean="0"/>
+              <a:t>Model</a:t>
+            </a:r>
+            <a:endParaRPr lang="en-US" sz="3200" dirty="0"/>
           </a:p>
           <a:p>
             <a:pPr marL="742950" indent="-742950">
@@ -13351,14 +13356,10 @@
           <a:p>
             <a:r>
               <a:rPr lang="en-US" sz="3200" dirty="0"/>
-              <a:t>The goal </a:t>
-            </a:r>
-            <a:r>
-              <a:rPr lang="en-US" sz="3200"/>
-              <a:t>is </a:t>
-            </a:r>
-            <a:r>
-              <a:rPr lang="en-US" sz="3200" smtClean="0"/>
+              <a:t>The goal is </a:t>
+            </a:r>
+            <a:r>
+              <a:rPr lang="en-US" sz="3200" dirty="0" smtClean="0"/>
               <a:t>to </a:t>
             </a:r>
             <a:r>
@@ -13554,6 +13555,282 @@
 </file>
 
 <file path=ppt/slides/slide5.xml><?xml version="1.0" encoding="utf-8"?>
+<p:sld xmlns:a="http://schemas.openxmlformats.org/drawingml/2006/main" xmlns:r="http://schemas.openxmlformats.org/officeDocument/2006/relationships" xmlns:p="http://schemas.openxmlformats.org/presentationml/2006/main">
+  <p:cSld>
+    <p:spTree>
+      <p:nvGrpSpPr>
+        <p:cNvPr id="1" name=""/>
+        <p:cNvGrpSpPr/>
+        <p:nvPr/>
+      </p:nvGrpSpPr>
+      <p:grpSpPr>
+        <a:xfrm>
+          <a:off x="0" y="0"/>
+          <a:ext cx="0" cy="0"/>
+          <a:chOff x="0" y="0"/>
+          <a:chExt cx="0" cy="0"/>
+        </a:xfrm>
+      </p:grpSpPr>
+      <p:sp>
+        <p:nvSpPr>
+          <p:cNvPr id="2" name="Title 1">
+            <a:extLst>
+              <a:ext uri="{FF2B5EF4-FFF2-40B4-BE49-F238E27FC236}">
+                <a16:creationId xmlns:a16="http://schemas.microsoft.com/office/drawing/2014/main" xmlns="" id="{C93179FA-8E2F-449F-A964-7E7BC2DF2DFC}"/>
+              </a:ext>
+            </a:extLst>
+          </p:cNvPr>
+          <p:cNvSpPr>
+            <a:spLocks noGrp="1"/>
+          </p:cNvSpPr>
+          <p:nvPr>
+            <p:ph type="title"/>
+          </p:nvPr>
+        </p:nvSpPr>
+        <p:spPr>
+          <a:xfrm>
+            <a:off x="1141413" y="618519"/>
+            <a:ext cx="9905998" cy="1024752"/>
+          </a:xfrm>
+        </p:spPr>
+        <p:txBody>
+          <a:bodyPr/>
+          <a:lstStyle/>
+          <a:p>
+            <a:r>
+              <a:rPr lang="en-US" dirty="0"/>
+              <a:t>Technologies used</a:t>
+            </a:r>
+          </a:p>
+        </p:txBody>
+      </p:sp>
+      <p:sp>
+        <p:nvSpPr>
+          <p:cNvPr id="3" name="Content Placeholder 2">
+            <a:extLst>
+              <a:ext uri="{FF2B5EF4-FFF2-40B4-BE49-F238E27FC236}">
+                <a16:creationId xmlns:a16="http://schemas.microsoft.com/office/drawing/2014/main" xmlns="" id="{95861D30-D862-4D1A-8629-627C31FF42C4}"/>
+              </a:ext>
+            </a:extLst>
+          </p:cNvPr>
+          <p:cNvSpPr>
+            <a:spLocks noGrp="1"/>
+          </p:cNvSpPr>
+          <p:nvPr>
+            <p:ph idx="1"/>
+          </p:nvPr>
+        </p:nvSpPr>
+        <p:spPr>
+          <a:xfrm>
+            <a:off x="1141412" y="1643270"/>
+            <a:ext cx="9905999" cy="4989023"/>
+          </a:xfrm>
+        </p:spPr>
+        <p:txBody>
+          <a:bodyPr>
+            <a:normAutofit/>
+          </a:bodyPr>
+          <a:lstStyle/>
+          <a:p>
+            <a:pPr lvl="1"/>
+            <a:r>
+              <a:rPr lang="en-US" sz="1600" dirty="0" smtClean="0">
+                <a:effectLst/>
+              </a:rPr>
+              <a:t>Annotation </a:t>
+            </a:r>
+            <a:endParaRPr lang="en-US" sz="1600" dirty="0">
+              <a:effectLst/>
+            </a:endParaRPr>
+          </a:p>
+          <a:p>
+            <a:pPr lvl="1"/>
+            <a:r>
+              <a:rPr lang="en-US" sz="1600" dirty="0">
+                <a:effectLst/>
+              </a:rPr>
+              <a:t>Data binding</a:t>
+            </a:r>
+          </a:p>
+          <a:p>
+            <a:pPr lvl="1"/>
+            <a:r>
+              <a:rPr lang="en-US" sz="1600" dirty="0">
+                <a:effectLst/>
+              </a:rPr>
+              <a:t>Validation; Custom Validation</a:t>
+            </a:r>
+          </a:p>
+          <a:p>
+            <a:pPr lvl="1"/>
+            <a:r>
+              <a:rPr lang="en-US" sz="1600" dirty="0">
+                <a:effectLst/>
+              </a:rPr>
+              <a:t>Custom </a:t>
+            </a:r>
+            <a:r>
+              <a:rPr lang="en-US" sz="1600" dirty="0" smtClean="0">
+                <a:effectLst/>
+              </a:rPr>
+              <a:t>Formatter, Interceptor</a:t>
+            </a:r>
+            <a:endParaRPr lang="en-US" sz="1600" dirty="0">
+              <a:effectLst/>
+            </a:endParaRPr>
+          </a:p>
+          <a:p>
+            <a:pPr lvl="1"/>
+            <a:r>
+              <a:rPr lang="en-US" sz="1600" dirty="0" smtClean="0">
+                <a:effectLst/>
+              </a:rPr>
+              <a:t>Internationalization</a:t>
+            </a:r>
+            <a:endParaRPr lang="en-US" sz="1600" dirty="0">
+              <a:effectLst/>
+            </a:endParaRPr>
+          </a:p>
+          <a:p>
+            <a:pPr lvl="1"/>
+            <a:r>
+              <a:rPr lang="en-US" sz="1600" dirty="0">
+                <a:effectLst/>
+              </a:rPr>
+              <a:t>Exception Handling</a:t>
+            </a:r>
+          </a:p>
+          <a:p>
+            <a:pPr lvl="1"/>
+            <a:r>
+              <a:rPr lang="en-US" sz="1600" dirty="0">
+                <a:effectLst/>
+              </a:rPr>
+              <a:t>REST/Ajax two way; error </a:t>
+            </a:r>
+            <a:r>
+              <a:rPr lang="en-US" sz="1600" dirty="0" smtClean="0">
+                <a:effectLst/>
+              </a:rPr>
+              <a:t>handling</a:t>
+            </a:r>
+            <a:endParaRPr lang="en-US" sz="1600" dirty="0">
+              <a:effectLst/>
+            </a:endParaRPr>
+          </a:p>
+          <a:p>
+            <a:pPr lvl="1"/>
+            <a:r>
+              <a:rPr lang="en-US" sz="1600" dirty="0" smtClean="0">
+                <a:effectLst/>
+              </a:rPr>
+              <a:t>Security; </a:t>
+            </a:r>
+            <a:r>
+              <a:rPr lang="en-US" sz="1600" smtClean="0">
+                <a:effectLst/>
+              </a:rPr>
+              <a:t>Authentication &amp; </a:t>
+            </a:r>
+            <a:r>
+              <a:rPr lang="en-US" sz="1600" dirty="0">
+                <a:effectLst/>
+              </a:rPr>
+              <a:t>Authorization</a:t>
+            </a:r>
+          </a:p>
+          <a:p>
+            <a:pPr lvl="1"/>
+            <a:r>
+              <a:rPr lang="en-US" sz="1600" dirty="0">
+                <a:effectLst/>
+              </a:rPr>
+              <a:t>Web Sockets</a:t>
+            </a:r>
+          </a:p>
+          <a:p>
+            <a:pPr lvl="1"/>
+            <a:r>
+              <a:rPr lang="en-US" sz="1600" dirty="0">
+                <a:effectLst/>
+              </a:rPr>
+              <a:t>Web Flow</a:t>
+            </a:r>
+          </a:p>
+          <a:p>
+            <a:pPr lvl="1"/>
+            <a:r>
+              <a:rPr lang="en-US" sz="1600" dirty="0" smtClean="0">
+                <a:effectLst/>
+              </a:rPr>
+              <a:t>Tiles</a:t>
+            </a:r>
+            <a:endParaRPr lang="en-US" sz="1600" dirty="0">
+              <a:effectLst/>
+            </a:endParaRPr>
+          </a:p>
+          <a:p>
+            <a:pPr lvl="1"/>
+            <a:r>
+              <a:rPr lang="en-US" sz="1600" dirty="0">
+                <a:effectLst/>
+              </a:rPr>
+              <a:t>Persistence in database [</a:t>
+            </a:r>
+            <a:r>
+              <a:rPr lang="en-US" sz="1600" dirty="0" smtClean="0">
+                <a:effectLst/>
+              </a:rPr>
+              <a:t>JPA]</a:t>
+            </a:r>
+            <a:endParaRPr lang="en-US" sz="1600" dirty="0"/>
+          </a:p>
+          <a:p>
+            <a:pPr lvl="1"/>
+            <a:r>
+              <a:rPr lang="en-US" sz="1600" dirty="0">
+                <a:effectLst/>
+              </a:rPr>
+              <a:t>DB</a:t>
+            </a:r>
+            <a:r>
+              <a:rPr lang="en-US" sz="1600" dirty="0">
+                <a:effectLst/>
+              </a:rPr>
+              <a:t>: </a:t>
+            </a:r>
+            <a:r>
+              <a:rPr lang="en-US" sz="1600" dirty="0">
+                <a:effectLst/>
+              </a:rPr>
+              <a:t>MySQL</a:t>
+            </a:r>
+            <a:endParaRPr lang="en-US" sz="1600" dirty="0">
+              <a:effectLst/>
+            </a:endParaRPr>
+          </a:p>
+          <a:p>
+            <a:endParaRPr lang="en-US" sz="3200" dirty="0"/>
+          </a:p>
+          <a:p>
+            <a:endParaRPr lang="en-US" sz="3200" dirty="0"/>
+          </a:p>
+        </p:txBody>
+      </p:sp>
+    </p:spTree>
+    <p:extLst>
+      <p:ext uri="{BB962C8B-B14F-4D97-AF65-F5344CB8AC3E}">
+        <p14:creationId xmlns:p14="http://schemas.microsoft.com/office/powerpoint/2010/main" val="3350333468"/>
+      </p:ext>
+    </p:extLst>
+  </p:cSld>
+  <p:clrMapOvr>
+    <a:masterClrMapping/>
+  </p:clrMapOvr>
+</p:sld>
+</file>
+
+<file path=ppt/slides/slide6.xml><?xml version="1.0" encoding="utf-8"?>
 <p:sld xmlns:a="http://schemas.openxmlformats.org/drawingml/2006/main" xmlns:r="http://schemas.openxmlformats.org/officeDocument/2006/relationships" xmlns:p="http://schemas.openxmlformats.org/presentationml/2006/main">
   <p:cSld>
     <p:spTree>
@@ -14344,137 +14621,6 @@
 </p:sld>
 </file>
 
-<file path=ppt/slides/slide6.xml><?xml version="1.0" encoding="utf-8"?>
-<p:sld xmlns:a="http://schemas.openxmlformats.org/drawingml/2006/main" xmlns:r="http://schemas.openxmlformats.org/officeDocument/2006/relationships" xmlns:p="http://schemas.openxmlformats.org/presentationml/2006/main">
-  <p:cSld>
-    <p:spTree>
-      <p:nvGrpSpPr>
-        <p:cNvPr id="1" name=""/>
-        <p:cNvGrpSpPr/>
-        <p:nvPr/>
-      </p:nvGrpSpPr>
-      <p:grpSpPr>
-        <a:xfrm>
-          <a:off x="0" y="0"/>
-          <a:ext cx="0" cy="0"/>
-          <a:chOff x="0" y="0"/>
-          <a:chExt cx="0" cy="0"/>
-        </a:xfrm>
-      </p:grpSpPr>
-      <p:sp>
-        <p:nvSpPr>
-          <p:cNvPr id="2" name="Title 1">
-            <a:extLst>
-              <a:ext uri="{FF2B5EF4-FFF2-40B4-BE49-F238E27FC236}">
-                <a16:creationId xmlns:a16="http://schemas.microsoft.com/office/drawing/2014/main" xmlns="" id="{C93179FA-8E2F-449F-A964-7E7BC2DF2DFC}"/>
-              </a:ext>
-            </a:extLst>
-          </p:cNvPr>
-          <p:cNvSpPr>
-            <a:spLocks noGrp="1"/>
-          </p:cNvSpPr>
-          <p:nvPr>
-            <p:ph type="title"/>
-          </p:nvPr>
-        </p:nvSpPr>
-        <p:spPr>
-          <a:xfrm>
-            <a:off x="1141413" y="618519"/>
-            <a:ext cx="9905998" cy="1024752"/>
-          </a:xfrm>
-        </p:spPr>
-        <p:txBody>
-          <a:bodyPr/>
-          <a:lstStyle/>
-          <a:p>
-            <a:r>
-              <a:rPr lang="en-US" dirty="0"/>
-              <a:t>Static model</a:t>
-            </a:r>
-          </a:p>
-        </p:txBody>
-      </p:sp>
-      <p:sp>
-        <p:nvSpPr>
-          <p:cNvPr id="3" name="Content Placeholder 2">
-            <a:extLst>
-              <a:ext uri="{FF2B5EF4-FFF2-40B4-BE49-F238E27FC236}">
-                <a16:creationId xmlns:a16="http://schemas.microsoft.com/office/drawing/2014/main" xmlns="" id="{95861D30-D862-4D1A-8629-627C31FF42C4}"/>
-              </a:ext>
-            </a:extLst>
-          </p:cNvPr>
-          <p:cNvSpPr>
-            <a:spLocks noGrp="1"/>
-          </p:cNvSpPr>
-          <p:nvPr>
-            <p:ph idx="1"/>
-          </p:nvPr>
-        </p:nvSpPr>
-        <p:spPr>
-          <a:xfrm>
-            <a:off x="1141412" y="1643271"/>
-            <a:ext cx="9905999" cy="4147930"/>
-          </a:xfrm>
-        </p:spPr>
-        <p:txBody>
-          <a:bodyPr>
-            <a:normAutofit/>
-          </a:bodyPr>
-          <a:lstStyle/>
-          <a:p>
-            <a:endParaRPr lang="en-US" sz="2800" dirty="0"/>
-          </a:p>
-          <a:p>
-            <a:endParaRPr lang="en-US" sz="2800" dirty="0"/>
-          </a:p>
-          <a:p>
-            <a:endParaRPr lang="en-US" sz="2800" dirty="0"/>
-          </a:p>
-        </p:txBody>
-      </p:sp>
-      <p:pic>
-        <p:nvPicPr>
-          <p:cNvPr id="5" name="Picture 4"/>
-          <p:cNvPicPr>
-            <a:picLocks noChangeAspect="1"/>
-          </p:cNvPicPr>
-          <p:nvPr/>
-        </p:nvPicPr>
-        <p:blipFill>
-          <a:blip r:embed="rId2">
-            <a:extLst>
-              <a:ext uri="{28A0092B-C50C-407E-A947-70E740481C1C}">
-                <a14:useLocalDpi xmlns:a14="http://schemas.microsoft.com/office/drawing/2010/main" val="0"/>
-              </a:ext>
-            </a:extLst>
-          </a:blip>
-          <a:stretch>
-            <a:fillRect/>
-          </a:stretch>
-        </p:blipFill>
-        <p:spPr>
-          <a:xfrm>
-            <a:off x="1953711" y="1431838"/>
-            <a:ext cx="7387059" cy="5212036"/>
-          </a:xfrm>
-          <a:prstGeom prst="rect">
-            <a:avLst/>
-          </a:prstGeom>
-        </p:spPr>
-      </p:pic>
-    </p:spTree>
-    <p:extLst>
-      <p:ext uri="{BB962C8B-B14F-4D97-AF65-F5344CB8AC3E}">
-        <p14:creationId xmlns:p14="http://schemas.microsoft.com/office/powerpoint/2010/main" val="412277805"/>
-      </p:ext>
-    </p:extLst>
-  </p:cSld>
-  <p:clrMapOvr>
-    <a:masterClrMapping/>
-  </p:clrMapOvr>
-</p:sld>
-</file>
-
 <file path=ppt/slides/slide7.xml><?xml version="1.0" encoding="utf-8"?>
 <p:sld xmlns:a="http://schemas.openxmlformats.org/drawingml/2006/main" xmlns:r="http://schemas.openxmlformats.org/officeDocument/2006/relationships" xmlns:p="http://schemas.openxmlformats.org/presentationml/2006/main">
   <p:cSld>
@@ -14520,7 +14666,7 @@
           <a:p>
             <a:r>
               <a:rPr lang="en-US" dirty="0"/>
-              <a:t>Technologies used</a:t>
+              <a:t>Static model</a:t>
             </a:r>
           </a:p>
         </p:txBody>
@@ -14543,8 +14689,8 @@
         </p:nvSpPr>
         <p:spPr>
           <a:xfrm>
-            <a:off x="1141412" y="1643270"/>
-            <a:ext cx="9905999" cy="4989023"/>
+            <a:off x="1141412" y="1643271"/>
+            <a:ext cx="9905999" cy="4147930"/>
           </a:xfrm>
         </p:spPr>
         <p:txBody>
@@ -14553,174 +14699,50 @@
           </a:bodyPr>
           <a:lstStyle/>
           <a:p>
-            <a:pPr lvl="1"/>
-            <a:r>
-              <a:rPr lang="en-US" sz="1600" dirty="0" smtClean="0">
-                <a:effectLst/>
-              </a:rPr>
-              <a:t>Annotation </a:t>
-            </a:r>
-            <a:endParaRPr lang="en-US" sz="1600" dirty="0">
-              <a:effectLst/>
-            </a:endParaRPr>
-          </a:p>
-          <a:p>
-            <a:pPr lvl="1"/>
-            <a:r>
-              <a:rPr lang="en-US" sz="1600" dirty="0">
-                <a:effectLst/>
-              </a:rPr>
-              <a:t>Data binding</a:t>
-            </a:r>
-          </a:p>
-          <a:p>
-            <a:pPr lvl="1"/>
-            <a:r>
-              <a:rPr lang="en-US" sz="1600" dirty="0">
-                <a:effectLst/>
-              </a:rPr>
-              <a:t>Validation; Custom Validation</a:t>
-            </a:r>
-          </a:p>
-          <a:p>
-            <a:pPr lvl="1"/>
-            <a:r>
-              <a:rPr lang="en-US" sz="1600" dirty="0">
-                <a:effectLst/>
-              </a:rPr>
-              <a:t>Custom Formatter</a:t>
-            </a:r>
-          </a:p>
-          <a:p>
-            <a:pPr lvl="1"/>
-            <a:r>
-              <a:rPr lang="en-US" sz="1600" dirty="0" smtClean="0">
-                <a:effectLst/>
-              </a:rPr>
-              <a:t>Internationalization</a:t>
-            </a:r>
-            <a:endParaRPr lang="en-US" sz="1600" dirty="0">
-              <a:effectLst/>
-            </a:endParaRPr>
-          </a:p>
-          <a:p>
-            <a:pPr lvl="1"/>
-            <a:r>
-              <a:rPr lang="en-US" sz="1600" dirty="0">
-                <a:effectLst/>
-              </a:rPr>
-              <a:t>Exception Handling</a:t>
-            </a:r>
-          </a:p>
-          <a:p>
-            <a:pPr lvl="1"/>
-            <a:r>
-              <a:rPr lang="en-US" sz="1600" dirty="0">
-                <a:effectLst/>
-              </a:rPr>
-              <a:t>REST/Ajax two way; error </a:t>
-            </a:r>
-            <a:r>
-              <a:rPr lang="en-US" sz="1600" dirty="0" smtClean="0">
-                <a:effectLst/>
-              </a:rPr>
-              <a:t>handling</a:t>
-            </a:r>
-            <a:endParaRPr lang="en-US" sz="1600" dirty="0">
-              <a:effectLst/>
-            </a:endParaRPr>
-          </a:p>
-          <a:p>
-            <a:pPr lvl="1"/>
-            <a:r>
-              <a:rPr lang="en-US" sz="1600" dirty="0">
-                <a:effectLst/>
-              </a:rPr>
-              <a:t>Security ; Login, Authorization</a:t>
-            </a:r>
-          </a:p>
-          <a:p>
-            <a:pPr lvl="1"/>
-            <a:r>
-              <a:rPr lang="en-US" sz="1600" dirty="0">
-                <a:effectLst/>
-              </a:rPr>
-              <a:t>Web Sockets</a:t>
-            </a:r>
-          </a:p>
-          <a:p>
-            <a:pPr lvl="1"/>
-            <a:r>
-              <a:rPr lang="en-US" sz="1600" dirty="0">
-                <a:effectLst/>
-              </a:rPr>
-              <a:t>Web Flow</a:t>
-            </a:r>
-          </a:p>
-          <a:p>
-            <a:pPr lvl="1"/>
-            <a:r>
-              <a:rPr lang="en-US" sz="1600" dirty="0" smtClean="0">
-                <a:effectLst/>
-              </a:rPr>
-              <a:t>Tiles</a:t>
-            </a:r>
-            <a:endParaRPr lang="en-US" sz="1600" dirty="0">
-              <a:effectLst/>
-            </a:endParaRPr>
-          </a:p>
-          <a:p>
-            <a:pPr lvl="1"/>
-            <a:r>
-              <a:rPr lang="en-US" sz="1600" dirty="0">
-                <a:effectLst/>
-              </a:rPr>
-              <a:t>Persistence in database [</a:t>
-            </a:r>
-            <a:r>
-              <a:rPr lang="en-US" sz="1600" dirty="0" smtClean="0">
-                <a:effectLst/>
-              </a:rPr>
-              <a:t>JPA]</a:t>
-            </a:r>
-            <a:endParaRPr lang="en-US" sz="1600" dirty="0"/>
-          </a:p>
-          <a:p>
-            <a:pPr lvl="1"/>
-            <a:r>
-              <a:rPr lang="en-US" sz="1600" dirty="0">
-                <a:effectLst/>
-              </a:rPr>
-              <a:t>DB</a:t>
-            </a:r>
-            <a:r>
-              <a:rPr lang="en-US" sz="1600" dirty="0">
-                <a:effectLst/>
-              </a:rPr>
-              <a:t>: </a:t>
-            </a:r>
-            <a:r>
-              <a:rPr lang="en-US" sz="1600" dirty="0">
-                <a:effectLst/>
-              </a:rPr>
-              <a:t>MySQL</a:t>
-            </a:r>
-            <a:endParaRPr lang="en-US" sz="1600" dirty="0">
-              <a:effectLst/>
-            </a:endParaRPr>
-          </a:p>
-          <a:p>
-            <a:endParaRPr lang="en-US" sz="3200" dirty="0"/>
-          </a:p>
-          <a:p>
-            <a:endParaRPr lang="en-US" sz="3200" dirty="0"/>
+            <a:endParaRPr lang="en-US" sz="2800" dirty="0"/>
+          </a:p>
+          <a:p>
+            <a:endParaRPr lang="en-US" sz="2800" dirty="0"/>
+          </a:p>
+          <a:p>
+            <a:endParaRPr lang="en-US" sz="2800" dirty="0"/>
           </a:p>
         </p:txBody>
       </p:sp>
+      <p:pic>
+        <p:nvPicPr>
+          <p:cNvPr id="5" name="Picture 4"/>
+          <p:cNvPicPr>
+            <a:picLocks noChangeAspect="1"/>
+          </p:cNvPicPr>
+          <p:nvPr/>
+        </p:nvPicPr>
+        <p:blipFill>
+          <a:blip r:embed="rId2">
+            <a:extLst>
+              <a:ext uri="{28A0092B-C50C-407E-A947-70E740481C1C}">
+                <a14:useLocalDpi xmlns:a14="http://schemas.microsoft.com/office/drawing/2010/main" val="0"/>
+              </a:ext>
+            </a:extLst>
+          </a:blip>
+          <a:stretch>
+            <a:fillRect/>
+          </a:stretch>
+        </p:blipFill>
+        <p:spPr>
+          <a:xfrm>
+            <a:off x="1953711" y="1431838"/>
+            <a:ext cx="7387059" cy="5212036"/>
+          </a:xfrm>
+          <a:prstGeom prst="rect">
+            <a:avLst/>
+          </a:prstGeom>
+        </p:spPr>
+      </p:pic>
     </p:spTree>
     <p:extLst>
       <p:ext uri="{BB962C8B-B14F-4D97-AF65-F5344CB8AC3E}">
-        <p14:creationId xmlns:p14="http://schemas.microsoft.com/office/powerpoint/2010/main" val="3350333468"/>
+        <p14:creationId xmlns:p14="http://schemas.microsoft.com/office/powerpoint/2010/main" val="412277805"/>
       </p:ext>
     </p:extLst>
   </p:cSld>
